--- a/GIT.pptx
+++ b/GIT.pptx
@@ -1,22 +1,24 @@
 
 <file path=ppt/presentation.xml><?xml version="1.0" encoding="utf-8"?>
-<p:presentation xmlns:a="http://schemas.openxmlformats.org/drawingml/2006/main" xmlns:r="http://schemas.openxmlformats.org/officeDocument/2006/relationships" xmlns:mc="http://schemas.openxmlformats.org/markup-compatibility/2006" xmlns:mv="urn:schemas-microsoft-com:mac:vml" xmlns:p="http://schemas.openxmlformats.org/presentationml/2006/main" mc:Ignorable="mv" mc:PreserveAttributes="mv:*" saveSubsetFonts="1" autoCompressPictures="0">
+<p:presentation xmlns:a="http://schemas.openxmlformats.org/drawingml/2006/main" xmlns:r="http://schemas.openxmlformats.org/officeDocument/2006/relationships" xmlns:p="http://schemas.openxmlformats.org/presentationml/2006/main" saveSubsetFonts="1" autoCompressPictures="0">
   <p:sldMasterIdLst>
     <p:sldMasterId id="2147483784" r:id="rId1"/>
   </p:sldMasterIdLst>
   <p:notesMasterIdLst>
-    <p:notesMasterId r:id="rId11"/>
+    <p:notesMasterId r:id="rId13"/>
   </p:notesMasterIdLst>
   <p:sldIdLst>
     <p:sldId id="256" r:id="rId2"/>
     <p:sldId id="257" r:id="rId3"/>
     <p:sldId id="258" r:id="rId4"/>
-    <p:sldId id="259" r:id="rId5"/>
-    <p:sldId id="260" r:id="rId6"/>
-    <p:sldId id="261" r:id="rId7"/>
-    <p:sldId id="262" r:id="rId8"/>
-    <p:sldId id="263" r:id="rId9"/>
-    <p:sldId id="264" r:id="rId10"/>
+    <p:sldId id="265" r:id="rId5"/>
+    <p:sldId id="259" r:id="rId6"/>
+    <p:sldId id="260" r:id="rId7"/>
+    <p:sldId id="261" r:id="rId8"/>
+    <p:sldId id="262" r:id="rId9"/>
+    <p:sldId id="263" r:id="rId10"/>
+    <p:sldId id="266" r:id="rId11"/>
+    <p:sldId id="264" r:id="rId12"/>
   </p:sldIdLst>
   <p:sldSz cx="9144000" cy="6858000" type="screen4x3"/>
   <p:notesSz cx="6858000" cy="9144000"/>
@@ -119,7 +121,7 @@
 </file>
 
 <file path=ppt/notesMasters/notesMaster1.xml><?xml version="1.0" encoding="utf-8"?>
-<p:notesMaster xmlns:a="http://schemas.openxmlformats.org/drawingml/2006/main" xmlns:r="http://schemas.openxmlformats.org/officeDocument/2006/relationships" xmlns:mc="http://schemas.openxmlformats.org/markup-compatibility/2006" xmlns:mv="urn:schemas-microsoft-com:mac:vml" xmlns:p="http://schemas.openxmlformats.org/presentationml/2006/main" mc:Ignorable="mv" mc:PreserveAttributes="mv:*">
+<p:notesMaster xmlns:a="http://schemas.openxmlformats.org/drawingml/2006/main" xmlns:r="http://schemas.openxmlformats.org/officeDocument/2006/relationships" xmlns:p="http://schemas.openxmlformats.org/presentationml/2006/main">
   <p:cSld>
     <p:bg>
       <p:bgRef idx="1001">
@@ -200,7 +202,7 @@
           <a:p>
             <a:fld id="{6BA818C6-122A-C54A-9BA7-B181109A049D}" type="datetimeFigureOut">
               <a:rPr lang="en-US" smtClean="0"/>
-              <a:t>3/16/13</a:t>
+              <a:t>9/22/13</a:t>
             </a:fld>
             <a:endParaRPr lang="en-US"/>
           </a:p>
@@ -368,6 +370,11 @@
         </p:txBody>
       </p:sp>
     </p:spTree>
+    <p:extLst>
+      <p:ext uri="{BB962C8B-B14F-4D97-AF65-F5344CB8AC3E}">
+        <p14:creationId xmlns:p14="http://schemas.microsoft.com/office/powerpoint/2010/main" val="2918727201"/>
+      </p:ext>
+    </p:extLst>
   </p:cSld>
   <p:clrMap bg1="lt1" tx1="dk1" bg2="lt2" tx2="dk2" accent1="accent1" accent2="accent2" accent3="accent3" accent4="accent4" accent5="accent5" accent6="accent6" hlink="hlink" folHlink="folHlink"/>
   <p:notesStyle>
@@ -466,7 +473,7 @@
 </file>
 
 <file path=ppt/notesSlides/notesSlide1.xml><?xml version="1.0" encoding="utf-8"?>
-<p:notes xmlns:a="http://schemas.openxmlformats.org/drawingml/2006/main" xmlns:r="http://schemas.openxmlformats.org/officeDocument/2006/relationships" xmlns:mc="http://schemas.openxmlformats.org/markup-compatibility/2006" xmlns:mv="urn:schemas-microsoft-com:mac:vml" xmlns:p="http://schemas.openxmlformats.org/presentationml/2006/main" mc:Ignorable="mv" mc:PreserveAttributes="mv:*">
+<p:notes xmlns:a="http://schemas.openxmlformats.org/drawingml/2006/main" xmlns:r="http://schemas.openxmlformats.org/officeDocument/2006/relationships" xmlns:p="http://schemas.openxmlformats.org/presentationml/2006/main">
   <p:cSld>
     <p:spTree>
       <p:nvGrpSpPr>
@@ -506,6 +513,299 @@
         </p:nvSpPr>
         <p:spPr/>
         <p:txBody>
+          <a:bodyPr/>
+          <a:lstStyle/>
+          <a:p>
+            <a:pPr marL="0" marR="0" indent="0" algn="l" defTabSz="457200" rtl="0" eaLnBrk="1" fontAlgn="auto" latinLnBrk="0" hangingPunct="1">
+              <a:lnSpc>
+                <a:spcPct val="100000"/>
+              </a:lnSpc>
+              <a:spcBef>
+                <a:spcPts val="0"/>
+              </a:spcBef>
+              <a:spcAft>
+                <a:spcPts val="0"/>
+              </a:spcAft>
+              <a:buClrTx/>
+              <a:buSzTx/>
+              <a:buFontTx/>
+              <a:buNone/>
+              <a:tabLst/>
+              <a:defRPr/>
+            </a:pPr>
+            <a:r>
+              <a:rPr lang="en-US" dirty="0" smtClean="0"/>
+              <a:t>Remember that each file in your working directory can be in one of two states: tracked or untracked. Tracked files are files that were in the last snapshot; they can be unmodified, modified, or staged. Untracked files are everything else — any files in your working directory that were not in your last snapshot and are not in your staging area. When you first clone a repository, all of your files will be tracked and unmodified because you just checked them out and haven’t edited anything.</a:t>
+            </a:r>
+            <a:endParaRPr lang="en-US" dirty="0"/>
+          </a:p>
+        </p:txBody>
+      </p:sp>
+      <p:sp>
+        <p:nvSpPr>
+          <p:cNvPr id="4" name="Slide Number Placeholder 3"/>
+          <p:cNvSpPr>
+            <a:spLocks noGrp="1"/>
+          </p:cNvSpPr>
+          <p:nvPr>
+            <p:ph type="sldNum" sz="quarter" idx="10"/>
+          </p:nvPr>
+        </p:nvSpPr>
+        <p:spPr/>
+        <p:txBody>
+          <a:bodyPr/>
+          <a:lstStyle/>
+          <a:p>
+            <a:fld id="{CAC8C4A0-BDED-264D-8E0D-7ACE59FF34ED}" type="slidenum">
+              <a:rPr lang="en-US" smtClean="0"/>
+              <a:t>3</a:t>
+            </a:fld>
+            <a:endParaRPr lang="en-US"/>
+          </a:p>
+        </p:txBody>
+      </p:sp>
+    </p:spTree>
+    <p:extLst>
+      <p:ext uri="{BB962C8B-B14F-4D97-AF65-F5344CB8AC3E}">
+        <p14:creationId xmlns:p14="http://schemas.microsoft.com/office/powerpoint/2010/main" val="1220096342"/>
+      </p:ext>
+    </p:extLst>
+  </p:cSld>
+  <p:clrMapOvr>
+    <a:masterClrMapping/>
+  </p:clrMapOvr>
+</p:notes>
+</file>
+
+<file path=ppt/notesSlides/notesSlide2.xml><?xml version="1.0" encoding="utf-8"?>
+<p:notes xmlns:a="http://schemas.openxmlformats.org/drawingml/2006/main" xmlns:r="http://schemas.openxmlformats.org/officeDocument/2006/relationships" xmlns:p="http://schemas.openxmlformats.org/presentationml/2006/main">
+  <p:cSld>
+    <p:spTree>
+      <p:nvGrpSpPr>
+        <p:cNvPr id="1" name=""/>
+        <p:cNvGrpSpPr/>
+        <p:nvPr/>
+      </p:nvGrpSpPr>
+      <p:grpSpPr>
+        <a:xfrm>
+          <a:off x="0" y="0"/>
+          <a:ext cx="0" cy="0"/>
+          <a:chOff x="0" y="0"/>
+          <a:chExt cx="0" cy="0"/>
+        </a:xfrm>
+      </p:grpSpPr>
+      <p:sp>
+        <p:nvSpPr>
+          <p:cNvPr id="2" name="Slide Image Placeholder 1"/>
+          <p:cNvSpPr>
+            <a:spLocks noGrp="1" noRot="1" noChangeAspect="1"/>
+          </p:cNvSpPr>
+          <p:nvPr>
+            <p:ph type="sldImg"/>
+          </p:nvPr>
+        </p:nvSpPr>
+        <p:spPr/>
+      </p:sp>
+      <p:sp>
+        <p:nvSpPr>
+          <p:cNvPr id="3" name="Notes Placeholder 2"/>
+          <p:cNvSpPr>
+            <a:spLocks noGrp="1"/>
+          </p:cNvSpPr>
+          <p:nvPr>
+            <p:ph type="body" idx="1"/>
+          </p:nvPr>
+        </p:nvSpPr>
+        <p:spPr/>
+        <p:txBody>
+          <a:bodyPr/>
+          <a:lstStyle/>
+          <a:p>
+            <a:r>
+              <a:rPr lang="en-US" dirty="0" smtClean="0"/>
+              <a:t>As you edit files, </a:t>
+            </a:r>
+            <a:r>
+              <a:rPr lang="en-US" dirty="0" err="1" smtClean="0"/>
+              <a:t>Git</a:t>
+            </a:r>
+            <a:r>
+              <a:rPr lang="en-US" dirty="0" smtClean="0"/>
+              <a:t> sees them as modified, because you’ve changed them since your last commit. You stage these modified files and then commit all your staged changes, and the cycle repeats. This lifecycle is illustrated in Figure 2-1.</a:t>
+            </a:r>
+            <a:endParaRPr lang="en-US" dirty="0"/>
+          </a:p>
+        </p:txBody>
+      </p:sp>
+      <p:sp>
+        <p:nvSpPr>
+          <p:cNvPr id="4" name="Slide Number Placeholder 3"/>
+          <p:cNvSpPr>
+            <a:spLocks noGrp="1"/>
+          </p:cNvSpPr>
+          <p:nvPr>
+            <p:ph type="sldNum" sz="quarter" idx="10"/>
+          </p:nvPr>
+        </p:nvSpPr>
+        <p:spPr/>
+        <p:txBody>
+          <a:bodyPr/>
+          <a:lstStyle/>
+          <a:p>
+            <a:fld id="{CAC8C4A0-BDED-264D-8E0D-7ACE59FF34ED}" type="slidenum">
+              <a:rPr lang="en-US" smtClean="0"/>
+              <a:t>5</a:t>
+            </a:fld>
+            <a:endParaRPr lang="en-US"/>
+          </a:p>
+        </p:txBody>
+      </p:sp>
+    </p:spTree>
+    <p:extLst>
+      <p:ext uri="{BB962C8B-B14F-4D97-AF65-F5344CB8AC3E}">
+        <p14:creationId xmlns:p14="http://schemas.microsoft.com/office/powerpoint/2010/main" val="196685422"/>
+      </p:ext>
+    </p:extLst>
+  </p:cSld>
+  <p:clrMapOvr>
+    <a:masterClrMapping/>
+  </p:clrMapOvr>
+</p:notes>
+</file>
+
+<file path=ppt/notesSlides/notesSlide3.xml><?xml version="1.0" encoding="utf-8"?>
+<p:notes xmlns:a="http://schemas.openxmlformats.org/drawingml/2006/main" xmlns:r="http://schemas.openxmlformats.org/officeDocument/2006/relationships" xmlns:p="http://schemas.openxmlformats.org/presentationml/2006/main">
+  <p:cSld>
+    <p:spTree>
+      <p:nvGrpSpPr>
+        <p:cNvPr id="1" name=""/>
+        <p:cNvGrpSpPr/>
+        <p:nvPr/>
+      </p:nvGrpSpPr>
+      <p:grpSpPr>
+        <a:xfrm>
+          <a:off x="0" y="0"/>
+          <a:ext cx="0" cy="0"/>
+          <a:chOff x="0" y="0"/>
+          <a:chExt cx="0" cy="0"/>
+        </a:xfrm>
+      </p:grpSpPr>
+      <p:sp>
+        <p:nvSpPr>
+          <p:cNvPr id="2" name="Slide Image Placeholder 1"/>
+          <p:cNvSpPr>
+            <a:spLocks noGrp="1" noRot="1" noChangeAspect="1"/>
+          </p:cNvSpPr>
+          <p:nvPr>
+            <p:ph type="sldImg"/>
+          </p:nvPr>
+        </p:nvSpPr>
+        <p:spPr/>
+      </p:sp>
+      <p:sp>
+        <p:nvSpPr>
+          <p:cNvPr id="3" name="Notes Placeholder 2"/>
+          <p:cNvSpPr>
+            <a:spLocks noGrp="1"/>
+          </p:cNvSpPr>
+          <p:nvPr>
+            <p:ph type="body" idx="1"/>
+          </p:nvPr>
+        </p:nvSpPr>
+        <p:spPr/>
+        <p:txBody>
+          <a:bodyPr/>
+          <a:lstStyle/>
+          <a:p>
+            <a:r>
+              <a:rPr lang="en-US" dirty="0" smtClean="0"/>
+              <a:t>Committing means taking snapshots of the changes and</a:t>
+            </a:r>
+            <a:r>
+              <a:rPr lang="en-US" baseline="0" dirty="0" smtClean="0"/>
+              <a:t> putting it as a record. </a:t>
+            </a:r>
+            <a:endParaRPr lang="en-US" dirty="0"/>
+          </a:p>
+        </p:txBody>
+      </p:sp>
+      <p:sp>
+        <p:nvSpPr>
+          <p:cNvPr id="4" name="Slide Number Placeholder 3"/>
+          <p:cNvSpPr>
+            <a:spLocks noGrp="1"/>
+          </p:cNvSpPr>
+          <p:nvPr>
+            <p:ph type="sldNum" sz="quarter" idx="10"/>
+          </p:nvPr>
+        </p:nvSpPr>
+        <p:spPr/>
+        <p:txBody>
+          <a:bodyPr/>
+          <a:lstStyle/>
+          <a:p>
+            <a:fld id="{CAC8C4A0-BDED-264D-8E0D-7ACE59FF34ED}" type="slidenum">
+              <a:rPr lang="en-US" smtClean="0"/>
+              <a:t>8</a:t>
+            </a:fld>
+            <a:endParaRPr lang="en-US"/>
+          </a:p>
+        </p:txBody>
+      </p:sp>
+    </p:spTree>
+    <p:extLst>
+      <p:ext uri="{BB962C8B-B14F-4D97-AF65-F5344CB8AC3E}">
+        <p14:creationId xmlns:p14="http://schemas.microsoft.com/office/powerpoint/2010/main" val="2581133225"/>
+      </p:ext>
+    </p:extLst>
+  </p:cSld>
+  <p:clrMapOvr>
+    <a:masterClrMapping/>
+  </p:clrMapOvr>
+</p:notes>
+</file>
+
+<file path=ppt/notesSlides/notesSlide4.xml><?xml version="1.0" encoding="utf-8"?>
+<p:notes xmlns:a="http://schemas.openxmlformats.org/drawingml/2006/main" xmlns:r="http://schemas.openxmlformats.org/officeDocument/2006/relationships" xmlns:p="http://schemas.openxmlformats.org/presentationml/2006/main">
+  <p:cSld>
+    <p:spTree>
+      <p:nvGrpSpPr>
+        <p:cNvPr id="1" name=""/>
+        <p:cNvGrpSpPr/>
+        <p:nvPr/>
+      </p:nvGrpSpPr>
+      <p:grpSpPr>
+        <a:xfrm>
+          <a:off x="0" y="0"/>
+          <a:ext cx="0" cy="0"/>
+          <a:chOff x="0" y="0"/>
+          <a:chExt cx="0" cy="0"/>
+        </a:xfrm>
+      </p:grpSpPr>
+      <p:sp>
+        <p:nvSpPr>
+          <p:cNvPr id="2" name="Slide Image Placeholder 1"/>
+          <p:cNvSpPr>
+            <a:spLocks noGrp="1" noRot="1" noChangeAspect="1"/>
+          </p:cNvSpPr>
+          <p:nvPr>
+            <p:ph type="sldImg"/>
+          </p:nvPr>
+        </p:nvSpPr>
+        <p:spPr/>
+      </p:sp>
+      <p:sp>
+        <p:nvSpPr>
+          <p:cNvPr id="3" name="Notes Placeholder 2"/>
+          <p:cNvSpPr>
+            <a:spLocks noGrp="1"/>
+          </p:cNvSpPr>
+          <p:nvPr>
+            <p:ph type="body" idx="1"/>
+          </p:nvPr>
+        </p:nvSpPr>
+        <p:spPr/>
+        <p:txBody>
           <a:bodyPr>
             <a:normAutofit/>
           </a:bodyPr>
@@ -532,7 +832,7 @@
           <a:p>
             <a:fld id="{CAC8C4A0-BDED-264D-8E0D-7ACE59FF34ED}" type="slidenum">
               <a:rPr lang="en-US" smtClean="0"/>
-              <a:t>8</a:t>
+              <a:t>9</a:t>
             </a:fld>
             <a:endParaRPr lang="en-US"/>
           </a:p>
@@ -547,7 +847,7 @@
 </file>
 
 <file path=ppt/slideLayouts/slideLayout1.xml><?xml version="1.0" encoding="utf-8"?>
-<p:sldLayout xmlns:a="http://schemas.openxmlformats.org/drawingml/2006/main" xmlns:r="http://schemas.openxmlformats.org/officeDocument/2006/relationships" xmlns:mc="http://schemas.openxmlformats.org/markup-compatibility/2006" xmlns:mv="urn:schemas-microsoft-com:mac:vml" xmlns:p="http://schemas.openxmlformats.org/presentationml/2006/main" mc:Ignorable="mv" mc:PreserveAttributes="mv:*" showMasterSp="0" type="title" preserve="1">
+<p:sldLayout xmlns:a="http://schemas.openxmlformats.org/drawingml/2006/main" xmlns:r="http://schemas.openxmlformats.org/officeDocument/2006/relationships" xmlns:p="http://schemas.openxmlformats.org/presentationml/2006/main" showMasterSp="0" type="title" preserve="1">
   <p:cSld name="Title Slide">
     <p:bg>
       <p:bgRef idx="1003">
@@ -740,7 +1040,7 @@
           <a:p>
             <a:fld id="{F3F7ACB4-D3E4-F246-8585-4F078D14E97C}" type="datetimeFigureOut">
               <a:rPr lang="en-US" smtClean="0"/>
-              <a:t>3/16/13</a:t>
+              <a:t>9/22/13</a:t>
             </a:fld>
             <a:endParaRPr lang="en-US"/>
           </a:p>
@@ -986,7 +1286,7 @@
 </file>
 
 <file path=ppt/slideLayouts/slideLayout10.xml><?xml version="1.0" encoding="utf-8"?>
-<p:sldLayout xmlns:a="http://schemas.openxmlformats.org/drawingml/2006/main" xmlns:r="http://schemas.openxmlformats.org/officeDocument/2006/relationships" xmlns:mc="http://schemas.openxmlformats.org/markup-compatibility/2006" xmlns:mv="urn:schemas-microsoft-com:mac:vml" xmlns:p="http://schemas.openxmlformats.org/presentationml/2006/main" mc:Ignorable="mv" mc:PreserveAttributes="mv:*" type="vertTx" preserve="1">
+<p:sldLayout xmlns:a="http://schemas.openxmlformats.org/drawingml/2006/main" xmlns:r="http://schemas.openxmlformats.org/officeDocument/2006/relationships" xmlns:p="http://schemas.openxmlformats.org/presentationml/2006/main" type="vertTx" preserve="1">
   <p:cSld name="Title and Vertical Text">
     <p:spTree>
       <p:nvGrpSpPr>
@@ -1094,7 +1394,7 @@
           <a:p>
             <a:fld id="{F3F7ACB4-D3E4-F246-8585-4F078D14E97C}" type="datetimeFigureOut">
               <a:rPr lang="en-US" smtClean="0"/>
-              <a:t>3/16/13</a:t>
+              <a:t>9/22/13</a:t>
             </a:fld>
             <a:endParaRPr lang="en-US"/>
           </a:p>
@@ -1151,7 +1451,7 @@
 </file>
 
 <file path=ppt/slideLayouts/slideLayout11.xml><?xml version="1.0" encoding="utf-8"?>
-<p:sldLayout xmlns:a="http://schemas.openxmlformats.org/drawingml/2006/main" xmlns:r="http://schemas.openxmlformats.org/officeDocument/2006/relationships" xmlns:mc="http://schemas.openxmlformats.org/markup-compatibility/2006" xmlns:mv="urn:schemas-microsoft-com:mac:vml" xmlns:p="http://schemas.openxmlformats.org/presentationml/2006/main" mc:Ignorable="mv" mc:PreserveAttributes="mv:*" type="vertTitleAndTx" preserve="1">
+<p:sldLayout xmlns:a="http://schemas.openxmlformats.org/drawingml/2006/main" xmlns:r="http://schemas.openxmlformats.org/officeDocument/2006/relationships" xmlns:p="http://schemas.openxmlformats.org/presentationml/2006/main" type="vertTitleAndTx" preserve="1">
   <p:cSld name="Vertical Title and Text">
     <p:spTree>
       <p:nvGrpSpPr>
@@ -1269,7 +1569,7 @@
           <a:p>
             <a:fld id="{F3F7ACB4-D3E4-F246-8585-4F078D14E97C}" type="datetimeFigureOut">
               <a:rPr lang="en-US" smtClean="0"/>
-              <a:t>3/16/13</a:t>
+              <a:t>9/22/13</a:t>
             </a:fld>
             <a:endParaRPr lang="en-US"/>
           </a:p>
@@ -1326,7 +1626,7 @@
 </file>
 
 <file path=ppt/slideLayouts/slideLayout2.xml><?xml version="1.0" encoding="utf-8"?>
-<p:sldLayout xmlns:a="http://schemas.openxmlformats.org/drawingml/2006/main" xmlns:r="http://schemas.openxmlformats.org/officeDocument/2006/relationships" xmlns:mc="http://schemas.openxmlformats.org/markup-compatibility/2006" xmlns:mv="urn:schemas-microsoft-com:mac:vml" xmlns:p="http://schemas.openxmlformats.org/presentationml/2006/main" mc:Ignorable="mv" mc:PreserveAttributes="mv:*" type="obj" preserve="1">
+<p:sldLayout xmlns:a="http://schemas.openxmlformats.org/drawingml/2006/main" xmlns:r="http://schemas.openxmlformats.org/officeDocument/2006/relationships" xmlns:p="http://schemas.openxmlformats.org/presentationml/2006/main" type="obj" preserve="1">
   <p:cSld name="Title and Content">
     <p:spTree>
       <p:nvGrpSpPr>
@@ -1382,7 +1682,7 @@
           <a:p>
             <a:fld id="{F3F7ACB4-D3E4-F246-8585-4F078D14E97C}" type="datetimeFigureOut">
               <a:rPr lang="en-US" smtClean="0"/>
-              <a:t>3/16/13</a:t>
+              <a:t>9/22/13</a:t>
             </a:fld>
             <a:endParaRPr lang="en-US"/>
           </a:p>
@@ -1496,7 +1796,7 @@
 </file>
 
 <file path=ppt/slideLayouts/slideLayout3.xml><?xml version="1.0" encoding="utf-8"?>
-<p:sldLayout xmlns:a="http://schemas.openxmlformats.org/drawingml/2006/main" xmlns:r="http://schemas.openxmlformats.org/officeDocument/2006/relationships" xmlns:mc="http://schemas.openxmlformats.org/markup-compatibility/2006" xmlns:mv="urn:schemas-microsoft-com:mac:vml" xmlns:p="http://schemas.openxmlformats.org/presentationml/2006/main" mc:Ignorable="mv" mc:PreserveAttributes="mv:*" showMasterSp="0" type="secHead" preserve="1">
+<p:sldLayout xmlns:a="http://schemas.openxmlformats.org/drawingml/2006/main" xmlns:r="http://schemas.openxmlformats.org/officeDocument/2006/relationships" xmlns:p="http://schemas.openxmlformats.org/presentationml/2006/main" showMasterSp="0" type="secHead" preserve="1">
   <p:cSld name="Section Header">
     <p:bg>
       <p:bgRef idx="1003">
@@ -1740,7 +2040,7 @@
           <a:p>
             <a:fld id="{F3F7ACB4-D3E4-F246-8585-4F078D14E97C}" type="datetimeFigureOut">
               <a:rPr lang="en-US" smtClean="0"/>
-              <a:t>3/16/13</a:t>
+              <a:t>9/22/13</a:t>
             </a:fld>
             <a:endParaRPr lang="en-US"/>
           </a:p>
@@ -1949,7 +2249,7 @@
 </file>
 
 <file path=ppt/slideLayouts/slideLayout4.xml><?xml version="1.0" encoding="utf-8"?>
-<p:sldLayout xmlns:a="http://schemas.openxmlformats.org/drawingml/2006/main" xmlns:r="http://schemas.openxmlformats.org/officeDocument/2006/relationships" xmlns:mc="http://schemas.openxmlformats.org/markup-compatibility/2006" xmlns:mv="urn:schemas-microsoft-com:mac:vml" xmlns:p="http://schemas.openxmlformats.org/presentationml/2006/main" mc:Ignorable="mv" mc:PreserveAttributes="mv:*" type="twoObj" preserve="1">
+<p:sldLayout xmlns:a="http://schemas.openxmlformats.org/drawingml/2006/main" xmlns:r="http://schemas.openxmlformats.org/officeDocument/2006/relationships" xmlns:p="http://schemas.openxmlformats.org/presentationml/2006/main" type="twoObj" preserve="1">
   <p:cSld name="Two Content">
     <p:spTree>
       <p:nvGrpSpPr>
@@ -2005,7 +2305,7 @@
           <a:p>
             <a:fld id="{F3F7ACB4-D3E4-F246-8585-4F078D14E97C}" type="datetimeFigureOut">
               <a:rPr lang="en-US" smtClean="0"/>
-              <a:t>3/16/13</a:t>
+              <a:t>9/22/13</a:t>
             </a:fld>
             <a:endParaRPr lang="en-US"/>
           </a:p>
@@ -2176,7 +2476,7 @@
 </file>
 
 <file path=ppt/slideLayouts/slideLayout5.xml><?xml version="1.0" encoding="utf-8"?>
-<p:sldLayout xmlns:a="http://schemas.openxmlformats.org/drawingml/2006/main" xmlns:r="http://schemas.openxmlformats.org/officeDocument/2006/relationships" xmlns:mc="http://schemas.openxmlformats.org/markup-compatibility/2006" xmlns:mv="urn:schemas-microsoft-com:mac:vml" xmlns:p="http://schemas.openxmlformats.org/presentationml/2006/main" mc:Ignorable="mv" mc:PreserveAttributes="mv:*" type="twoTxTwoObj" preserve="1">
+<p:sldLayout xmlns:a="http://schemas.openxmlformats.org/drawingml/2006/main" xmlns:r="http://schemas.openxmlformats.org/officeDocument/2006/relationships" xmlns:p="http://schemas.openxmlformats.org/presentationml/2006/main" type="twoTxTwoObj" preserve="1">
   <p:cSld name="Comparison">
     <p:spTree>
       <p:nvGrpSpPr>
@@ -2367,7 +2667,7 @@
           <a:p>
             <a:fld id="{F3F7ACB4-D3E4-F246-8585-4F078D14E97C}" type="datetimeFigureOut">
               <a:rPr lang="en-US" smtClean="0"/>
-              <a:t>3/16/13</a:t>
+              <a:t>9/22/13</a:t>
             </a:fld>
             <a:endParaRPr lang="en-US"/>
           </a:p>
@@ -2538,7 +2838,7 @@
 </file>
 
 <file path=ppt/slideLayouts/slideLayout6.xml><?xml version="1.0" encoding="utf-8"?>
-<p:sldLayout xmlns:a="http://schemas.openxmlformats.org/drawingml/2006/main" xmlns:r="http://schemas.openxmlformats.org/officeDocument/2006/relationships" xmlns:mc="http://schemas.openxmlformats.org/markup-compatibility/2006" xmlns:mv="urn:schemas-microsoft-com:mac:vml" xmlns:p="http://schemas.openxmlformats.org/presentationml/2006/main" mc:Ignorable="mv" mc:PreserveAttributes="mv:*" type="titleOnly" preserve="1">
+<p:sldLayout xmlns:a="http://schemas.openxmlformats.org/drawingml/2006/main" xmlns:r="http://schemas.openxmlformats.org/officeDocument/2006/relationships" xmlns:p="http://schemas.openxmlformats.org/presentationml/2006/main" type="titleOnly" preserve="1">
   <p:cSld name="Title Only">
     <p:spTree>
       <p:nvGrpSpPr>
@@ -2594,7 +2894,7 @@
           <a:p>
             <a:fld id="{F3F7ACB4-D3E4-F246-8585-4F078D14E97C}" type="datetimeFigureOut">
               <a:rPr lang="en-US" smtClean="0"/>
-              <a:t>3/16/13</a:t>
+              <a:t>9/22/13</a:t>
             </a:fld>
             <a:endParaRPr lang="en-US"/>
           </a:p>
@@ -2651,7 +2951,7 @@
 </file>
 
 <file path=ppt/slideLayouts/slideLayout7.xml><?xml version="1.0" encoding="utf-8"?>
-<p:sldLayout xmlns:a="http://schemas.openxmlformats.org/drawingml/2006/main" xmlns:r="http://schemas.openxmlformats.org/officeDocument/2006/relationships" xmlns:mc="http://schemas.openxmlformats.org/markup-compatibility/2006" xmlns:mv="urn:schemas-microsoft-com:mac:vml" xmlns:p="http://schemas.openxmlformats.org/presentationml/2006/main" mc:Ignorable="mv" mc:PreserveAttributes="mv:*" type="blank" preserve="1">
+<p:sldLayout xmlns:a="http://schemas.openxmlformats.org/drawingml/2006/main" xmlns:r="http://schemas.openxmlformats.org/officeDocument/2006/relationships" xmlns:p="http://schemas.openxmlformats.org/presentationml/2006/main" type="blank" preserve="1">
   <p:cSld name="Blank">
     <p:spTree>
       <p:nvGrpSpPr>
@@ -2684,7 +2984,7 @@
           <a:p>
             <a:fld id="{F3F7ACB4-D3E4-F246-8585-4F078D14E97C}" type="datetimeFigureOut">
               <a:rPr lang="en-US" smtClean="0"/>
-              <a:t>3/16/13</a:t>
+              <a:t>9/22/13</a:t>
             </a:fld>
             <a:endParaRPr lang="en-US"/>
           </a:p>
@@ -2741,7 +3041,7 @@
 </file>
 
 <file path=ppt/slideLayouts/slideLayout8.xml><?xml version="1.0" encoding="utf-8"?>
-<p:sldLayout xmlns:a="http://schemas.openxmlformats.org/drawingml/2006/main" xmlns:r="http://schemas.openxmlformats.org/officeDocument/2006/relationships" xmlns:mc="http://schemas.openxmlformats.org/markup-compatibility/2006" xmlns:mv="urn:schemas-microsoft-com:mac:vml" xmlns:p="http://schemas.openxmlformats.org/presentationml/2006/main" mc:Ignorable="mv" mc:PreserveAttributes="mv:*" type="objTx" preserve="1">
+<p:sldLayout xmlns:a="http://schemas.openxmlformats.org/drawingml/2006/main" xmlns:r="http://schemas.openxmlformats.org/officeDocument/2006/relationships" xmlns:p="http://schemas.openxmlformats.org/presentationml/2006/main" type="objTx" preserve="1">
   <p:cSld name="Content with Caption">
     <p:spTree>
       <p:nvGrpSpPr>
@@ -2951,7 +3251,7 @@
           <a:p>
             <a:fld id="{F3F7ACB4-D3E4-F246-8585-4F078D14E97C}" type="datetimeFigureOut">
               <a:rPr lang="en-US" smtClean="0"/>
-              <a:t>3/16/13</a:t>
+              <a:t>9/22/13</a:t>
             </a:fld>
             <a:endParaRPr lang="en-US"/>
           </a:p>
@@ -3066,7 +3366,7 @@
 </file>
 
 <file path=ppt/slideLayouts/slideLayout9.xml><?xml version="1.0" encoding="utf-8"?>
-<p:sldLayout xmlns:a="http://schemas.openxmlformats.org/drawingml/2006/main" xmlns:r="http://schemas.openxmlformats.org/officeDocument/2006/relationships" xmlns:mc="http://schemas.openxmlformats.org/markup-compatibility/2006" xmlns:mv="urn:schemas-microsoft-com:mac:vml" xmlns:p="http://schemas.openxmlformats.org/presentationml/2006/main" mc:Ignorable="mv" mc:PreserveAttributes="mv:*" type="picTx" preserve="1">
+<p:sldLayout xmlns:a="http://schemas.openxmlformats.org/drawingml/2006/main" xmlns:r="http://schemas.openxmlformats.org/officeDocument/2006/relationships" xmlns:p="http://schemas.openxmlformats.org/presentationml/2006/main" type="picTx" preserve="1">
   <p:cSld name="Picture with Caption">
     <p:spTree>
       <p:nvGrpSpPr>
@@ -3180,7 +3480,7 @@
           <a:p>
             <a:fld id="{F3F7ACB4-D3E4-F246-8585-4F078D14E97C}" type="datetimeFigureOut">
               <a:rPr lang="en-US" smtClean="0"/>
-              <a:t>3/16/13</a:t>
+              <a:t>9/22/13</a:t>
             </a:fld>
             <a:endParaRPr lang="en-US"/>
           </a:p>
@@ -3436,7 +3736,7 @@
 </file>
 
 <file path=ppt/slideMasters/slideMaster1.xml><?xml version="1.0" encoding="utf-8"?>
-<p:sldMaster xmlns:a="http://schemas.openxmlformats.org/drawingml/2006/main" xmlns:r="http://schemas.openxmlformats.org/officeDocument/2006/relationships" xmlns:mc="http://schemas.openxmlformats.org/markup-compatibility/2006" xmlns:mv="urn:schemas-microsoft-com:mac:vml" xmlns:p="http://schemas.openxmlformats.org/presentationml/2006/main" mc:Ignorable="mv" mc:PreserveAttributes="mv:*">
+<p:sldMaster xmlns:a="http://schemas.openxmlformats.org/drawingml/2006/main" xmlns:r="http://schemas.openxmlformats.org/officeDocument/2006/relationships" xmlns:p="http://schemas.openxmlformats.org/presentationml/2006/main">
   <p:cSld>
     <p:bg>
       <p:bgRef idx="1001">
@@ -3679,7 +3979,7 @@
           <a:p>
             <a:fld id="{F3F7ACB4-D3E4-F246-8585-4F078D14E97C}" type="datetimeFigureOut">
               <a:rPr lang="en-US" smtClean="0"/>
-              <a:t>3/16/13</a:t>
+              <a:t>9/22/13</a:t>
             </a:fld>
             <a:endParaRPr lang="en-US"/>
           </a:p>
@@ -4067,7 +4367,7 @@
 </file>
 
 <file path=ppt/slides/slide1.xml><?xml version="1.0" encoding="utf-8"?>
-<p:sld xmlns:a="http://schemas.openxmlformats.org/drawingml/2006/main" xmlns:r="http://schemas.openxmlformats.org/officeDocument/2006/relationships" xmlns:mc="http://schemas.openxmlformats.org/markup-compatibility/2006" xmlns:mv="urn:schemas-microsoft-com:mac:vml" xmlns:p="http://schemas.openxmlformats.org/presentationml/2006/main" mc:Ignorable="mv" mc:PreserveAttributes="mv:*">
+<p:sld xmlns:a="http://schemas.openxmlformats.org/drawingml/2006/main" xmlns:r="http://schemas.openxmlformats.org/officeDocument/2006/relationships" xmlns:p="http://schemas.openxmlformats.org/presentationml/2006/main">
   <p:cSld>
     <p:spTree>
       <p:nvGrpSpPr>
@@ -4110,15 +4410,7 @@
           <a:p>
             <a:r>
               <a:rPr lang="en-US" dirty="0" smtClean="0"/>
-              <a:t>                                      --</a:t>
-            </a:r>
-            <a:r>
-              <a:rPr lang="en-US" dirty="0" smtClean="0"/>
-              <a:t>S</a:t>
-            </a:r>
-            <a:r>
-              <a:rPr lang="en-US" dirty="0" smtClean="0"/>
-              <a:t>owjanya </a:t>
+              <a:t>                                      --Sowjanya </a:t>
             </a:r>
             <a:r>
               <a:rPr lang="en-US" dirty="0" err="1" smtClean="0"/>
@@ -4145,7 +4437,7 @@
           <a:p>
             <a:r>
               <a:rPr lang="en-US" dirty="0" smtClean="0"/>
-              <a:t>What is GIT?</a:t>
+              <a:t>GIT &amp; GITHUB</a:t>
             </a:r>
             <a:endParaRPr lang="en-US" dirty="0"/>
           </a:p>
@@ -4159,15 +4451,15 @@
   <p:timing>
     <p:tnLst>
       <p:par>
-        <p:cTn id="1" dur="indefinite" restart="never" nodeType="tmRoot"/>
+        <p:cTn xmlns:p14="http://schemas.microsoft.com/office/powerpoint/2010/main" id="1" dur="indefinite" restart="never" nodeType="tmRoot"/>
       </p:par>
     </p:tnLst>
   </p:timing>
 </p:sld>
 </file>
 
-<file path=ppt/slides/slide2.xml><?xml version="1.0" encoding="utf-8"?>
-<p:sld xmlns:a="http://schemas.openxmlformats.org/drawingml/2006/main" xmlns:r="http://schemas.openxmlformats.org/officeDocument/2006/relationships" xmlns:mc="http://schemas.openxmlformats.org/markup-compatibility/2006" xmlns:mv="urn:schemas-microsoft-com:mac:vml" xmlns:p="http://schemas.openxmlformats.org/presentationml/2006/main" mc:Ignorable="mv" mc:PreserveAttributes="mv:*">
+<file path=ppt/slides/slide10.xml><?xml version="1.0" encoding="utf-8"?>
+<p:sld xmlns:a="http://schemas.openxmlformats.org/drawingml/2006/main" xmlns:r="http://schemas.openxmlformats.org/officeDocument/2006/relationships" xmlns:p="http://schemas.openxmlformats.org/presentationml/2006/main">
   <p:cSld>
     <p:spTree>
       <p:nvGrpSpPr>
@@ -4198,10 +4490,6 @@
           <a:bodyPr/>
           <a:lstStyle/>
           <a:p>
-            <a:r>
-              <a:rPr lang="en-US" dirty="0" smtClean="0"/>
-              <a:t>What and why?</a:t>
-            </a:r>
             <a:endParaRPr lang="en-US" dirty="0"/>
           </a:p>
         </p:txBody>
@@ -4216,102 +4504,32 @@
             <p:ph sz="quarter" idx="1"/>
           </p:nvPr>
         </p:nvSpPr>
-        <p:spPr>
-          <a:xfrm>
-            <a:off x="914400" y="1922042"/>
-            <a:ext cx="7772400" cy="4097758"/>
-          </a:xfrm>
-        </p:spPr>
-        <p:txBody>
-          <a:bodyPr>
-            <a:normAutofit/>
-          </a:bodyPr>
-          <a:lstStyle/>
-          <a:p>
-            <a:pPr marL="548640">
-              <a:lnSpc>
-                <a:spcPct val="150000"/>
-              </a:lnSpc>
-              <a:buSzPct val="100000"/>
-              <a:buFont typeface="Wingdings" charset="2"/>
-              <a:buChar char=""/>
+        <p:spPr/>
+        <p:txBody>
+          <a:bodyPr/>
+          <a:lstStyle/>
+          <a:p>
+            <a:pPr marL="0" indent="0">
+              <a:buNone/>
             </a:pPr>
             <a:r>
               <a:rPr lang="en-US" dirty="0" smtClean="0"/>
-              <a:t>  GIT is a Version Control System</a:t>
-            </a:r>
-          </a:p>
-          <a:p>
-            <a:pPr marL="548640">
-              <a:lnSpc>
-                <a:spcPct val="150000"/>
-              </a:lnSpc>
-              <a:buSzPct val="100000"/>
-              <a:buFont typeface="Wingdings" charset="2"/>
-              <a:buChar char=""/>
-            </a:pPr>
-            <a:r>
-              <a:rPr lang="en-US" dirty="0" smtClean="0"/>
-              <a:t>  Created by Linus Torvalds to maintain the Linux Kernel</a:t>
-            </a:r>
-          </a:p>
-          <a:p>
-            <a:pPr marL="548640">
-              <a:lnSpc>
-                <a:spcPct val="150000"/>
-              </a:lnSpc>
-              <a:buSzPct val="100000"/>
-              <a:buFont typeface="Wingdings" charset="2"/>
-              <a:buChar char=""/>
-            </a:pPr>
-            <a:r>
-              <a:rPr lang="en-US" dirty="0" smtClean="0"/>
-              <a:t>  Handles small to large projects</a:t>
-            </a:r>
-          </a:p>
-          <a:p>
-            <a:pPr marL="548640">
-              <a:lnSpc>
-                <a:spcPct val="150000"/>
-              </a:lnSpc>
-              <a:buSzPct val="100000"/>
-              <a:buFont typeface="Wingdings" charset="2"/>
-              <a:buChar char=""/>
-            </a:pPr>
-            <a:r>
-              <a:rPr lang="en-US" dirty="0" smtClean="0"/>
-              <a:t>  Its open source</a:t>
-            </a:r>
-          </a:p>
-          <a:p>
-            <a:pPr marL="548640">
-              <a:lnSpc>
-                <a:spcPct val="150000"/>
-              </a:lnSpc>
-              <a:buSzPct val="100000"/>
-              <a:buFont typeface="Wingdings" charset="2"/>
-              <a:buChar char=""/>
-            </a:pPr>
-            <a:r>
-              <a:rPr lang="en-US" dirty="0" smtClean="0"/>
-              <a:t>  Powerful branching and merging capabilities</a:t>
-            </a:r>
-          </a:p>
-          <a:p>
-            <a:pPr marL="548640">
-              <a:buSzPct val="100000"/>
-              <a:buFont typeface="Wingdings" charset="2"/>
-              <a:buChar char=""/>
-            </a:pPr>
-            <a:r>
-              <a:rPr lang="en-US" dirty="0" smtClean="0"/>
-              <a:t>  Other alternatives : CVS, Perforce, SCM. </a:t>
-            </a:r>
-            <a:endParaRPr lang="en-US" dirty="0"/>
+              <a:t>                    </a:t>
+            </a:r>
+            <a:r>
+              <a:rPr lang="en-US" sz="6000" dirty="0" smtClean="0"/>
+              <a:t>Exercise Time !</a:t>
+            </a:r>
+            <a:endParaRPr lang="en-US" sz="6000" dirty="0"/>
           </a:p>
         </p:txBody>
       </p:sp>
     </p:spTree>
+    <p:extLst>
+      <p:ext uri="{BB962C8B-B14F-4D97-AF65-F5344CB8AC3E}">
+        <p14:creationId xmlns:p14="http://schemas.microsoft.com/office/powerpoint/2010/main" val="4063447294"/>
+      </p:ext>
+    </p:extLst>
   </p:cSld>
   <p:clrMapOvr>
     <a:masterClrMapping/>
@@ -4319,15 +4537,15 @@
   <p:timing>
     <p:tnLst>
       <p:par>
-        <p:cTn id="1" dur="indefinite" restart="never" nodeType="tmRoot"/>
+        <p:cTn xmlns:p14="http://schemas.microsoft.com/office/powerpoint/2010/main" id="1" dur="indefinite" restart="never" nodeType="tmRoot"/>
       </p:par>
     </p:tnLst>
   </p:timing>
 </p:sld>
 </file>
 
-<file path=ppt/slides/slide3.xml><?xml version="1.0" encoding="utf-8"?>
-<p:sld xmlns:a="http://schemas.openxmlformats.org/drawingml/2006/main" xmlns:r="http://schemas.openxmlformats.org/officeDocument/2006/relationships" xmlns:mc="http://schemas.openxmlformats.org/markup-compatibility/2006" xmlns:mv="urn:schemas-microsoft-com:mac:vml" xmlns:p="http://schemas.openxmlformats.org/presentationml/2006/main" mc:Ignorable="mv" mc:PreserveAttributes="mv:*">
+<file path=ppt/slides/slide11.xml><?xml version="1.0" encoding="utf-8"?>
+<p:sld xmlns:a="http://schemas.openxmlformats.org/drawingml/2006/main" xmlns:r="http://schemas.openxmlformats.org/officeDocument/2006/relationships" xmlns:p="http://schemas.openxmlformats.org/presentationml/2006/main">
   <p:cSld>
     <p:spTree>
       <p:nvGrpSpPr>
@@ -4360,7 +4578,7 @@
           <a:p>
             <a:r>
               <a:rPr lang="en-US" dirty="0" smtClean="0"/>
-              <a:t>States of Files in GIT</a:t>
+              <a:t>References</a:t>
             </a:r>
             <a:endParaRPr lang="en-US" dirty="0"/>
           </a:p>
@@ -4376,57 +4594,22 @@
             <p:ph sz="quarter" idx="1"/>
           </p:nvPr>
         </p:nvSpPr>
-        <p:spPr>
-          <a:xfrm>
-            <a:off x="914400" y="1819074"/>
-            <a:ext cx="7772400" cy="4200725"/>
-          </a:xfrm>
-        </p:spPr>
+        <p:spPr/>
         <p:txBody>
           <a:bodyPr/>
           <a:lstStyle/>
           <a:p>
-            <a:pPr>
-              <a:lnSpc>
-                <a:spcPct val="150000"/>
-              </a:lnSpc>
-            </a:pPr>
-            <a:r>
-              <a:rPr lang="en-US" dirty="0" smtClean="0"/>
-              <a:t>Committed: Safely stored in your local database</a:t>
-            </a:r>
-          </a:p>
-          <a:p>
-            <a:pPr>
-              <a:lnSpc>
-                <a:spcPct val="150000"/>
-              </a:lnSpc>
-            </a:pPr>
-            <a:r>
-              <a:rPr lang="en-US" dirty="0" smtClean="0"/>
-              <a:t>Modified: file is changed but not committed</a:t>
-            </a:r>
-          </a:p>
-          <a:p>
-            <a:pPr>
-              <a:lnSpc>
-                <a:spcPct val="150000"/>
-              </a:lnSpc>
-            </a:pPr>
-            <a:r>
-              <a:rPr lang="en-US" dirty="0" smtClean="0"/>
-              <a:t>Staged:  modified file that is marked to go into next commit </a:t>
-            </a:r>
-          </a:p>
-          <a:p>
-            <a:pPr>
-              <a:lnSpc>
-                <a:spcPct val="150000"/>
-              </a:lnSpc>
-            </a:pPr>
-            <a:r>
-              <a:rPr lang="en-US" dirty="0" smtClean="0"/>
-              <a:t>Untracked: Files not in the staging area and new </a:t>
+            <a:r>
+              <a:rPr lang="en-US" dirty="0" smtClean="0"/>
+              <a:t>http://git-</a:t>
+            </a:r>
+            <a:r>
+              <a:rPr lang="en-US" dirty="0" err="1" smtClean="0"/>
+              <a:t>scm.com</a:t>
+            </a:r>
+            <a:r>
+              <a:rPr lang="en-US" dirty="0" smtClean="0"/>
+              <a:t>/</a:t>
             </a:r>
             <a:endParaRPr lang="en-US" dirty="0"/>
           </a:p>
@@ -4440,15 +4623,15 @@
   <p:timing>
     <p:tnLst>
       <p:par>
-        <p:cTn id="1" dur="indefinite" restart="never" nodeType="tmRoot"/>
+        <p:cTn xmlns:p14="http://schemas.microsoft.com/office/powerpoint/2010/main" id="1" dur="indefinite" restart="never" nodeType="tmRoot"/>
       </p:par>
     </p:tnLst>
   </p:timing>
 </p:sld>
 </file>
 
-<file path=ppt/slides/slide4.xml><?xml version="1.0" encoding="utf-8"?>
-<p:sld xmlns:a="http://schemas.openxmlformats.org/drawingml/2006/main" xmlns:r="http://schemas.openxmlformats.org/officeDocument/2006/relationships" xmlns:mc="http://schemas.openxmlformats.org/markup-compatibility/2006" xmlns:mv="urn:schemas-microsoft-com:mac:vml" xmlns:p="http://schemas.openxmlformats.org/presentationml/2006/main" mc:Ignorable="mv" mc:PreserveAttributes="mv:*">
+<file path=ppt/slides/slide2.xml><?xml version="1.0" encoding="utf-8"?>
+<p:sld xmlns:a="http://schemas.openxmlformats.org/drawingml/2006/main" xmlns:r="http://schemas.openxmlformats.org/officeDocument/2006/relationships" xmlns:p="http://schemas.openxmlformats.org/presentationml/2006/main">
   <p:cSld>
     <p:spTree>
       <p:nvGrpSpPr>
@@ -4481,7 +4664,7 @@
           <a:p>
             <a:r>
               <a:rPr lang="en-US" dirty="0" smtClean="0"/>
-              <a:t>GIT Workflow</a:t>
+              <a:t>What and why?</a:t>
             </a:r>
             <a:endParaRPr lang="en-US" dirty="0"/>
           </a:p>
@@ -4499,44 +4682,94 @@
         </p:nvSpPr>
         <p:spPr>
           <a:xfrm>
-            <a:off x="914400" y="1870559"/>
-            <a:ext cx="7772400" cy="4149241"/>
+            <a:off x="914400" y="1922042"/>
+            <a:ext cx="7772400" cy="4097758"/>
           </a:xfrm>
         </p:spPr>
         <p:txBody>
-          <a:bodyPr/>
-          <a:lstStyle/>
-          <a:p>
-            <a:pPr>
+          <a:bodyPr>
+            <a:normAutofit/>
+          </a:bodyPr>
+          <a:lstStyle/>
+          <a:p>
+            <a:pPr marL="548640">
               <a:lnSpc>
                 <a:spcPct val="150000"/>
               </a:lnSpc>
+              <a:buSzPct val="100000"/>
+              <a:buFont typeface="Wingdings" charset="2"/>
+              <a:buChar char=""/>
             </a:pPr>
             <a:r>
               <a:rPr lang="en-US" dirty="0" smtClean="0"/>
-              <a:t>Modify/create files in your working directory</a:t>
-            </a:r>
-          </a:p>
-          <a:p>
-            <a:pPr>
+              <a:t>  GIT is a Version Control System</a:t>
+            </a:r>
+          </a:p>
+          <a:p>
+            <a:pPr marL="548640">
               <a:lnSpc>
                 <a:spcPct val="150000"/>
               </a:lnSpc>
+              <a:buSzPct val="100000"/>
+              <a:buFont typeface="Wingdings" charset="2"/>
+              <a:buChar char=""/>
             </a:pPr>
             <a:r>
               <a:rPr lang="en-US" dirty="0" smtClean="0"/>
-              <a:t>Stage the file in the staging area</a:t>
-            </a:r>
-          </a:p>
-          <a:p>
-            <a:pPr>
+              <a:t>  Created by Linus Torvalds to maintain the Linux Kernel</a:t>
+            </a:r>
+          </a:p>
+          <a:p>
+            <a:pPr marL="548640">
               <a:lnSpc>
                 <a:spcPct val="150000"/>
               </a:lnSpc>
+              <a:buSzPct val="100000"/>
+              <a:buFont typeface="Wingdings" charset="2"/>
+              <a:buChar char=""/>
             </a:pPr>
             <a:r>
               <a:rPr lang="en-US" dirty="0" smtClean="0"/>
-              <a:t>Commit the files in the staging area so they are permanently stored</a:t>
+              <a:t>  Handles small to large projects</a:t>
+            </a:r>
+          </a:p>
+          <a:p>
+            <a:pPr marL="548640">
+              <a:lnSpc>
+                <a:spcPct val="150000"/>
+              </a:lnSpc>
+              <a:buSzPct val="100000"/>
+              <a:buFont typeface="Wingdings" charset="2"/>
+              <a:buChar char=""/>
+            </a:pPr>
+            <a:r>
+              <a:rPr lang="en-US" dirty="0" smtClean="0"/>
+              <a:t>  Its open source</a:t>
+            </a:r>
+          </a:p>
+          <a:p>
+            <a:pPr marL="548640">
+              <a:lnSpc>
+                <a:spcPct val="150000"/>
+              </a:lnSpc>
+              <a:buSzPct val="100000"/>
+              <a:buFont typeface="Wingdings" charset="2"/>
+              <a:buChar char=""/>
+            </a:pPr>
+            <a:r>
+              <a:rPr lang="en-US" dirty="0" smtClean="0"/>
+              <a:t>  Powerful branching and merging capabilities</a:t>
+            </a:r>
+          </a:p>
+          <a:p>
+            <a:pPr marL="548640">
+              <a:buSzPct val="100000"/>
+              <a:buFont typeface="Wingdings" charset="2"/>
+              <a:buChar char=""/>
+            </a:pPr>
+            <a:r>
+              <a:rPr lang="en-US" dirty="0" smtClean="0"/>
+              <a:t>  Other alternatives : CVS, Perforce, SCM. </a:t>
             </a:r>
             <a:endParaRPr lang="en-US" dirty="0"/>
           </a:p>
@@ -4550,15 +4783,15 @@
   <p:timing>
     <p:tnLst>
       <p:par>
-        <p:cTn id="1" dur="indefinite" restart="never" nodeType="tmRoot"/>
+        <p:cTn xmlns:p14="http://schemas.microsoft.com/office/powerpoint/2010/main" id="1" dur="indefinite" restart="never" nodeType="tmRoot"/>
       </p:par>
     </p:tnLst>
   </p:timing>
 </p:sld>
 </file>
 
-<file path=ppt/slides/slide5.xml><?xml version="1.0" encoding="utf-8"?>
-<p:sld xmlns:a="http://schemas.openxmlformats.org/drawingml/2006/main" xmlns:r="http://schemas.openxmlformats.org/officeDocument/2006/relationships" xmlns:mc="http://schemas.openxmlformats.org/markup-compatibility/2006" xmlns:mv="urn:schemas-microsoft-com:mac:vml" xmlns:p="http://schemas.openxmlformats.org/presentationml/2006/main" mc:Ignorable="mv" mc:PreserveAttributes="mv:*">
+<file path=ppt/slides/slide3.xml><?xml version="1.0" encoding="utf-8"?>
+<p:sld xmlns:a="http://schemas.openxmlformats.org/drawingml/2006/main" xmlns:r="http://schemas.openxmlformats.org/officeDocument/2006/relationships" xmlns:p="http://schemas.openxmlformats.org/presentationml/2006/main">
   <p:cSld>
     <p:spTree>
       <p:nvGrpSpPr>
@@ -4591,7 +4824,7 @@
           <a:p>
             <a:r>
               <a:rPr lang="en-US" dirty="0" smtClean="0"/>
-              <a:t>After Install and Setup</a:t>
+              <a:t>States of Files in GIT</a:t>
             </a:r>
             <a:endParaRPr lang="en-US" dirty="0"/>
           </a:p>
@@ -4609,87 +4842,56 @@
         </p:nvSpPr>
         <p:spPr>
           <a:xfrm>
-            <a:off x="914400" y="1887720"/>
-            <a:ext cx="7772400" cy="4132080"/>
+            <a:off x="914400" y="1819074"/>
+            <a:ext cx="7772400" cy="4200725"/>
           </a:xfrm>
         </p:spPr>
         <p:txBody>
-          <a:bodyPr>
-            <a:normAutofit/>
-          </a:bodyPr>
-          <a:lstStyle/>
-          <a:p>
-            <a:r>
-              <a:rPr lang="en-US" dirty="0" smtClean="0"/>
-              <a:t>Initialize a repository in an existing Directory</a:t>
-            </a:r>
-          </a:p>
+          <a:bodyPr/>
+          <a:lstStyle/>
           <a:p>
             <a:pPr>
-              <a:buNone/>
+              <a:lnSpc>
+                <a:spcPct val="150000"/>
+              </a:lnSpc>
             </a:pPr>
             <a:r>
               <a:rPr lang="en-US" dirty="0" smtClean="0"/>
-              <a:t>	 </a:t>
-            </a:r>
-            <a:r>
-              <a:rPr lang="en-US" dirty="0" smtClean="0"/>
-              <a:t>$ git </a:t>
-            </a:r>
-            <a:r>
-              <a:rPr lang="en-US" dirty="0" smtClean="0"/>
-              <a:t>init</a:t>
+              <a:t>Committed: Safely stored in your local database</a:t>
             </a:r>
           </a:p>
           <a:p>
             <a:pPr>
-              <a:buNone/>
+              <a:lnSpc>
+                <a:spcPct val="150000"/>
+              </a:lnSpc>
             </a:pPr>
-            <a:endParaRPr lang="en-US" dirty="0" smtClean="0"/>
-          </a:p>
-          <a:p>
-            <a:r>
-              <a:rPr lang="en-US" dirty="0" smtClean="0"/>
-              <a:t>Clone an existing repository</a:t>
+            <a:r>
+              <a:rPr lang="en-US" dirty="0" smtClean="0"/>
+              <a:t>Modified: file is changed but not committed</a:t>
             </a:r>
           </a:p>
           <a:p>
             <a:pPr>
-              <a:buNone/>
+              <a:lnSpc>
+                <a:spcPct val="150000"/>
+              </a:lnSpc>
             </a:pPr>
             <a:r>
               <a:rPr lang="en-US" dirty="0" smtClean="0"/>
-              <a:t>	$ git clone &lt;path_to_the_existing_repo&gt;</a:t>
+              <a:t>Staged:  modified file that is marked to go into next commit </a:t>
             </a:r>
           </a:p>
           <a:p>
             <a:pPr>
-              <a:buNone/>
+              <a:lnSpc>
+                <a:spcPct val="150000"/>
+              </a:lnSpc>
             </a:pPr>
-            <a:endParaRPr lang="en-US" dirty="0" smtClean="0"/>
-          </a:p>
-          <a:p>
-            <a:r>
-              <a:rPr lang="en-US" dirty="0" smtClean="0"/>
-              <a:t>Check the status of your files( staged/unstaged/untracked )</a:t>
-            </a:r>
-          </a:p>
-          <a:p>
-            <a:pPr>
-              <a:buNone/>
-            </a:pPr>
-            <a:r>
-              <a:rPr lang="en-US" dirty="0" smtClean="0"/>
-              <a:t>	$ git status</a:t>
-            </a:r>
-          </a:p>
-          <a:p>
-            <a:endParaRPr lang="en-US" dirty="0" smtClean="0"/>
-          </a:p>
-          <a:p>
-            <a:pPr>
-              <a:buNone/>
-            </a:pPr>
+            <a:r>
+              <a:rPr lang="en-US" dirty="0" smtClean="0"/>
+              <a:t>Untracked: Files not in the staging area and new </a:t>
+            </a:r>
             <a:endParaRPr lang="en-US" dirty="0"/>
           </a:p>
         </p:txBody>
@@ -4702,15 +4904,15 @@
   <p:timing>
     <p:tnLst>
       <p:par>
-        <p:cTn id="1" dur="indefinite" restart="never" nodeType="tmRoot"/>
+        <p:cTn xmlns:p14="http://schemas.microsoft.com/office/powerpoint/2010/main" id="1" dur="indefinite" restart="never" nodeType="tmRoot"/>
       </p:par>
     </p:tnLst>
   </p:timing>
 </p:sld>
 </file>
 
-<file path=ppt/slides/slide6.xml><?xml version="1.0" encoding="utf-8"?>
-<p:sld xmlns:a="http://schemas.openxmlformats.org/drawingml/2006/main" xmlns:r="http://schemas.openxmlformats.org/officeDocument/2006/relationships" xmlns:mc="http://schemas.openxmlformats.org/markup-compatibility/2006" xmlns:mv="urn:schemas-microsoft-com:mac:vml" xmlns:p="http://schemas.openxmlformats.org/presentationml/2006/main" mc:Ignorable="mv" mc:PreserveAttributes="mv:*">
+<file path=ppt/slides/slide4.xml><?xml version="1.0" encoding="utf-8"?>
+<p:sld xmlns:a="http://schemas.openxmlformats.org/drawingml/2006/main" xmlns:r="http://schemas.openxmlformats.org/officeDocument/2006/relationships" xmlns:p="http://schemas.openxmlformats.org/presentationml/2006/main">
   <p:cSld>
     <p:spTree>
       <p:nvGrpSpPr>
@@ -4736,138 +4938,85 @@
             <p:ph type="title"/>
           </p:nvPr>
         </p:nvSpPr>
-        <p:spPr/>
-        <p:txBody>
-          <a:bodyPr/>
-          <a:lstStyle/>
-          <a:p>
-            <a:r>
-              <a:rPr lang="en-US" dirty="0" smtClean="0"/>
-              <a:t>Git commands</a:t>
-            </a:r>
-            <a:endParaRPr lang="en-US" dirty="0"/>
-          </a:p>
-        </p:txBody>
-      </p:sp>
-      <p:sp>
-        <p:nvSpPr>
-          <p:cNvPr id="3" name="Content Placeholder 2"/>
-          <p:cNvSpPr>
-            <a:spLocks noGrp="1"/>
-          </p:cNvSpPr>
-          <p:nvPr>
-            <p:ph sz="quarter" idx="1"/>
-          </p:nvPr>
-        </p:nvSpPr>
         <p:spPr>
           <a:xfrm>
-            <a:off x="914400" y="1853398"/>
-            <a:ext cx="7772400" cy="4166402"/>
+            <a:off x="914400" y="274638"/>
+            <a:ext cx="7772400" cy="674687"/>
           </a:xfrm>
         </p:spPr>
         <p:txBody>
           <a:bodyPr>
-            <a:normAutofit fontScale="92500" lnSpcReduction="20000"/>
+            <a:normAutofit fontScale="90000"/>
           </a:bodyPr>
           <a:lstStyle/>
           <a:p>
             <a:r>
               <a:rPr lang="en-US" dirty="0" smtClean="0"/>
-              <a:t>Adding new/modified files to staging area</a:t>
-            </a:r>
-          </a:p>
-          <a:p>
-            <a:pPr>
-              <a:buNone/>
-            </a:pPr>
-            <a:r>
-              <a:rPr lang="en-US" dirty="0" smtClean="0"/>
-              <a:t>	</a:t>
-            </a:r>
-            <a:r>
-              <a:rPr lang="en-US" dirty="0" smtClean="0"/>
-              <a:t>$ git add &lt;file_name</a:t>
-            </a:r>
-            <a:r>
-              <a:rPr lang="en-US" dirty="0" smtClean="0"/>
-              <a:t>&gt;</a:t>
-            </a:r>
-          </a:p>
-          <a:p>
-            <a:pPr>
-              <a:buNone/>
-            </a:pPr>
-            <a:endParaRPr lang="en-US" dirty="0" smtClean="0"/>
-          </a:p>
-          <a:p>
-            <a:r>
-              <a:rPr lang="en-US" dirty="0" smtClean="0"/>
-              <a:t>What you have changed but not yet staged</a:t>
-            </a:r>
-          </a:p>
-          <a:p>
-            <a:pPr>
-              <a:buNone/>
-            </a:pPr>
-            <a:r>
-              <a:rPr lang="en-US" dirty="0" smtClean="0"/>
-              <a:t>	$ git diff</a:t>
-            </a:r>
-          </a:p>
-          <a:p>
-            <a:pPr>
-              <a:buNone/>
-            </a:pPr>
-            <a:endParaRPr lang="en-US" dirty="0" smtClean="0"/>
-          </a:p>
-          <a:p>
-            <a:r>
-              <a:rPr lang="en-US" dirty="0" smtClean="0"/>
-              <a:t>What you have changed that is staged</a:t>
-            </a:r>
-          </a:p>
-          <a:p>
-            <a:pPr>
-              <a:buNone/>
-            </a:pPr>
-            <a:r>
-              <a:rPr lang="en-US" dirty="0" smtClean="0"/>
-              <a:t>	$ git diff --cached</a:t>
-            </a:r>
-          </a:p>
-          <a:p>
-            <a:endParaRPr lang="en-US" dirty="0" smtClean="0"/>
-          </a:p>
-          <a:p>
-            <a:endParaRPr lang="en-US" dirty="0" smtClean="0"/>
-          </a:p>
-          <a:p>
-            <a:pPr>
-              <a:buNone/>
-            </a:pPr>
-            <a:r>
-              <a:rPr lang="en-US" dirty="0" smtClean="0"/>
-              <a:t>	</a:t>
-            </a:r>
-          </a:p>
-          <a:p>
-            <a:pPr>
-              <a:buNone/>
-            </a:pPr>
+              <a:t>GIT Workflow</a:t>
+            </a:r>
             <a:endParaRPr lang="en-US" dirty="0"/>
           </a:p>
         </p:txBody>
       </p:sp>
+      <p:pic>
+        <p:nvPicPr>
+          <p:cNvPr id="4" name="Content Placeholder 3" descr="http://git-scm.com/figures/18333fig0201-tn.png"/>
+          <p:cNvPicPr>
+            <a:picLocks noGrp="1"/>
+          </p:cNvPicPr>
+          <p:nvPr>
+            <p:ph sz="quarter" idx="1"/>
+          </p:nvPr>
+        </p:nvPicPr>
+        <p:blipFill>
+          <a:blip r:embed="rId2">
+            <a:extLst>
+              <a:ext uri="{28A0092B-C50C-407E-A947-70E740481C1C}">
+                <a14:useLocalDpi xmlns:a14="http://schemas.microsoft.com/office/drawing/2010/main" val="0"/>
+              </a:ext>
+            </a:extLst>
+          </a:blip>
+          <a:srcRect t="-1449" b="-1449"/>
+          <a:stretch>
+            <a:fillRect/>
+          </a:stretch>
+        </p:blipFill>
+        <p:spPr bwMode="auto">
+          <a:xfrm>
+            <a:off x="914400" y="949325"/>
+            <a:ext cx="7772400" cy="5070475"/>
+          </a:xfrm>
+          <a:prstGeom prst="rect">
+            <a:avLst/>
+          </a:prstGeom>
+          <a:noFill/>
+          <a:ln>
+            <a:noFill/>
+          </a:ln>
+        </p:spPr>
+      </p:pic>
     </p:spTree>
+    <p:extLst>
+      <p:ext uri="{BB962C8B-B14F-4D97-AF65-F5344CB8AC3E}">
+        <p14:creationId xmlns:p14="http://schemas.microsoft.com/office/powerpoint/2010/main" val="1564803276"/>
+      </p:ext>
+    </p:extLst>
   </p:cSld>
   <p:clrMapOvr>
     <a:masterClrMapping/>
   </p:clrMapOvr>
+  <p:timing>
+    <p:tnLst>
+      <p:par>
+        <p:cTn xmlns:p14="http://schemas.microsoft.com/office/powerpoint/2010/main" id="1" dur="indefinite" restart="never" nodeType="tmRoot"/>
+      </p:par>
+    </p:tnLst>
+  </p:timing>
 </p:sld>
 </file>
 
-<file path=ppt/slides/slide7.xml><?xml version="1.0" encoding="utf-8"?>
-<p:sld xmlns:a="http://schemas.openxmlformats.org/drawingml/2006/main" xmlns:r="http://schemas.openxmlformats.org/officeDocument/2006/relationships" xmlns:mc="http://schemas.openxmlformats.org/markup-compatibility/2006" xmlns:mv="urn:schemas-microsoft-com:mac:vml" xmlns:p="http://schemas.openxmlformats.org/presentationml/2006/main" mc:Ignorable="mv" mc:PreserveAttributes="mv:*">
+<file path=ppt/slides/slide5.xml><?xml version="1.0" encoding="utf-8"?>
+<p:sld xmlns:a="http://schemas.openxmlformats.org/drawingml/2006/main" xmlns:r="http://schemas.openxmlformats.org/officeDocument/2006/relationships" xmlns:p="http://schemas.openxmlformats.org/presentationml/2006/main">
   <p:cSld>
     <p:spTree>
       <p:nvGrpSpPr>
@@ -4900,7 +5049,7 @@
           <a:p>
             <a:r>
               <a:rPr lang="en-US" dirty="0" smtClean="0"/>
-              <a:t>Git commands</a:t>
+              <a:t>GIT Workflow</a:t>
             </a:r>
             <a:endParaRPr lang="en-US" dirty="0"/>
           </a:p>
@@ -4918,108 +5067,49 @@
         </p:nvSpPr>
         <p:spPr>
           <a:xfrm>
-            <a:off x="914400" y="2059330"/>
-            <a:ext cx="7772400" cy="3960469"/>
+            <a:off x="914400" y="1870559"/>
+            <a:ext cx="7772400" cy="4149241"/>
           </a:xfrm>
         </p:spPr>
         <p:txBody>
           <a:bodyPr/>
           <a:lstStyle/>
           <a:p>
-            <a:r>
-              <a:rPr lang="en-US" dirty="0" smtClean="0"/>
-              <a:t>Committing the changes in </a:t>
-            </a:r>
-            <a:r>
-              <a:rPr lang="en-US" smtClean="0"/>
-              <a:t>staging area</a:t>
-            </a:r>
-          </a:p>
-          <a:p>
             <a:pPr>
-              <a:buNone/>
+              <a:lnSpc>
+                <a:spcPct val="150000"/>
+              </a:lnSpc>
             </a:pPr>
             <a:r>
               <a:rPr lang="en-US" dirty="0" smtClean="0"/>
-              <a:t>	$ </a:t>
-            </a:r>
-            <a:r>
-              <a:rPr lang="en-US" dirty="0" smtClean="0"/>
-              <a:t>git commit </a:t>
+              <a:t>Modify</a:t>
+            </a:r>
+            <a:r>
+              <a:rPr lang="en-US" dirty="0" smtClean="0"/>
+              <a:t>/create files in your working directory</a:t>
             </a:r>
           </a:p>
           <a:p>
             <a:pPr>
-              <a:buNone/>
+              <a:lnSpc>
+                <a:spcPct val="150000"/>
+              </a:lnSpc>
             </a:pPr>
-            <a:endParaRPr lang="en-US" dirty="0" smtClean="0"/>
-          </a:p>
-          <a:p>
-            <a:r>
-              <a:rPr lang="en-US" dirty="0" smtClean="0"/>
-              <a:t>Removing a file from git </a:t>
+            <a:r>
+              <a:rPr lang="en-US" dirty="0" smtClean="0"/>
+              <a:t>Stage the file in the staging area</a:t>
             </a:r>
           </a:p>
           <a:p>
             <a:pPr>
-              <a:buNone/>
+              <a:lnSpc>
+                <a:spcPct val="150000"/>
+              </a:lnSpc>
             </a:pPr>
             <a:r>
               <a:rPr lang="en-US" dirty="0" smtClean="0"/>
-              <a:t>	$ </a:t>
-            </a:r>
-            <a:r>
-              <a:rPr lang="en-US" dirty="0" smtClean="0"/>
-              <a:t>git rm &lt;file_name</a:t>
-            </a:r>
-            <a:r>
-              <a:rPr lang="en-US" dirty="0" smtClean="0"/>
-              <a:t>&gt;</a:t>
-            </a:r>
-          </a:p>
-          <a:p>
-            <a:pPr>
-              <a:buNone/>
-            </a:pPr>
-            <a:endParaRPr lang="en-US" dirty="0" smtClean="0"/>
-          </a:p>
-          <a:p>
-            <a:r>
-              <a:rPr lang="en-US" dirty="0" smtClean="0"/>
-              <a:t>Renaming/moving a file</a:t>
-            </a:r>
-          </a:p>
-          <a:p>
-            <a:pPr>
-              <a:buNone/>
-            </a:pPr>
-            <a:r>
-              <a:rPr lang="en-US" dirty="0" smtClean="0"/>
-              <a:t>	$ git mv file_from file_to</a:t>
-            </a:r>
-          </a:p>
-          <a:p>
-            <a:pPr>
-              <a:buNone/>
-            </a:pPr>
-            <a:endParaRPr lang="en-US" dirty="0" smtClean="0"/>
-          </a:p>
-          <a:p>
-            <a:pPr>
-              <a:buNone/>
-            </a:pPr>
-            <a:endParaRPr lang="en-US" dirty="0" smtClean="0"/>
-          </a:p>
-          <a:p>
-            <a:pPr>
-              <a:buNone/>
-            </a:pPr>
-            <a:endParaRPr lang="en-US" dirty="0" smtClean="0"/>
-          </a:p>
-          <a:p>
-            <a:pPr>
-              <a:buNone/>
-            </a:pPr>
+              <a:t>Commit the files in the staging area so they are permanently stored</a:t>
+            </a:r>
             <a:endParaRPr lang="en-US" dirty="0"/>
           </a:p>
         </p:txBody>
@@ -5029,11 +5119,18 @@
   <p:clrMapOvr>
     <a:masterClrMapping/>
   </p:clrMapOvr>
+  <p:timing>
+    <p:tnLst>
+      <p:par>
+        <p:cTn xmlns:p14="http://schemas.microsoft.com/office/powerpoint/2010/main" id="1" dur="indefinite" restart="never" nodeType="tmRoot"/>
+      </p:par>
+    </p:tnLst>
+  </p:timing>
 </p:sld>
 </file>
 
-<file path=ppt/slides/slide8.xml><?xml version="1.0" encoding="utf-8"?>
-<p:sld xmlns:a="http://schemas.openxmlformats.org/drawingml/2006/main" xmlns:r="http://schemas.openxmlformats.org/officeDocument/2006/relationships" xmlns:mc="http://schemas.openxmlformats.org/markup-compatibility/2006" xmlns:mv="urn:schemas-microsoft-com:mac:vml" xmlns:p="http://schemas.openxmlformats.org/presentationml/2006/main" mc:Ignorable="mv" mc:PreserveAttributes="mv:*">
+<file path=ppt/slides/slide6.xml><?xml version="1.0" encoding="utf-8"?>
+<p:sld xmlns:a="http://schemas.openxmlformats.org/drawingml/2006/main" xmlns:r="http://schemas.openxmlformats.org/officeDocument/2006/relationships" xmlns:p="http://schemas.openxmlformats.org/presentationml/2006/main">
   <p:cSld>
     <p:spTree>
       <p:nvGrpSpPr>
@@ -5066,7 +5163,7 @@
           <a:p>
             <a:r>
               <a:rPr lang="en-US" dirty="0" smtClean="0"/>
-              <a:t>Git commands</a:t>
+              <a:t>After Install and Setup</a:t>
             </a:r>
             <a:endParaRPr lang="en-US" dirty="0"/>
           </a:p>
@@ -5084,17 +5181,19 @@
         </p:nvSpPr>
         <p:spPr>
           <a:xfrm>
-            <a:off x="914400" y="1904880"/>
-            <a:ext cx="7772400" cy="4114919"/>
+            <a:off x="914400" y="1887720"/>
+            <a:ext cx="7772400" cy="4132080"/>
           </a:xfrm>
         </p:spPr>
         <p:txBody>
-          <a:bodyPr/>
-          <a:lstStyle/>
-          <a:p>
-            <a:r>
-              <a:rPr lang="en-US" dirty="0" smtClean="0"/>
-              <a:t>Viewing the commit history</a:t>
+          <a:bodyPr>
+            <a:normAutofit lnSpcReduction="10000"/>
+          </a:bodyPr>
+          <a:lstStyle/>
+          <a:p>
+            <a:r>
+              <a:rPr lang="en-US" dirty="0" smtClean="0"/>
+              <a:t>Initialize a repository in an existing Directory</a:t>
             </a:r>
           </a:p>
           <a:p>
@@ -5103,7 +5202,7 @@
             </a:pPr>
             <a:r>
               <a:rPr lang="en-US" dirty="0" smtClean="0"/>
-              <a:t>   $ git log</a:t>
+              <a:t>	 $ git init</a:t>
             </a:r>
           </a:p>
           <a:p>
@@ -5115,16 +5214,50 @@
           <a:p>
             <a:r>
               <a:rPr lang="en-US" dirty="0" smtClean="0"/>
-              <a:t>Unstaging a staged file</a:t>
-            </a:r>
-          </a:p>
-          <a:p>
-            <a:pPr>
+              <a:t>Clone an existing </a:t>
+            </a:r>
+            <a:r>
+              <a:rPr lang="en-US" dirty="0" smtClean="0"/>
+              <a:t>repository. </a:t>
+            </a:r>
+            <a:endParaRPr lang="en-US" dirty="0"/>
+          </a:p>
+          <a:p>
+            <a:pPr marL="0" indent="0">
               <a:buNone/>
             </a:pPr>
             <a:r>
-              <a:rPr lang="en-US" dirty="0" smtClean="0"/>
-              <a:t>   $ git reset HEAD &lt;file_name&gt;</a:t>
+              <a:rPr lang="en-US" dirty="0"/>
+              <a:t> </a:t>
+            </a:r>
+            <a:r>
+              <a:rPr lang="en-US" dirty="0" smtClean="0"/>
+              <a:t>   </a:t>
+            </a:r>
+            <a:r>
+              <a:rPr lang="en-US" dirty="0" smtClean="0"/>
+              <a:t>$ </a:t>
+            </a:r>
+            <a:r>
+              <a:rPr lang="en-US" dirty="0" smtClean="0"/>
+              <a:t>git clone &lt;</a:t>
+            </a:r>
+            <a:r>
+              <a:rPr lang="en-US" dirty="0" err="1" smtClean="0"/>
+              <a:t>path_to_the_existing_repo</a:t>
+            </a:r>
+            <a:r>
+              <a:rPr lang="en-US" dirty="0" smtClean="0"/>
+              <a:t>&gt;</a:t>
+            </a:r>
+          </a:p>
+          <a:p>
+            <a:pPr marL="0" indent="0">
+              <a:buNone/>
+            </a:pPr>
+            <a:r>
+              <a:rPr lang="en-US" dirty="0"/>
+              <a:t>Cloning gets a copy of an existing repository</a:t>
             </a:r>
           </a:p>
           <a:p>
@@ -5134,6 +5267,35 @@
             <a:endParaRPr lang="en-US" dirty="0" smtClean="0"/>
           </a:p>
           <a:p>
+            <a:r>
+              <a:rPr lang="en-US" dirty="0" smtClean="0"/>
+              <a:t>Check the </a:t>
+            </a:r>
+            <a:r>
+              <a:rPr lang="en-US" dirty="0" smtClean="0"/>
+              <a:t>state </a:t>
+            </a:r>
+            <a:r>
+              <a:rPr lang="en-US" dirty="0" smtClean="0"/>
+              <a:t>of your files( staged/unstaged/untracked )</a:t>
+            </a:r>
+          </a:p>
+          <a:p>
+            <a:pPr>
+              <a:buNone/>
+            </a:pPr>
+            <a:r>
+              <a:rPr lang="en-US" dirty="0" smtClean="0"/>
+              <a:t>	$ git status</a:t>
+            </a:r>
+          </a:p>
+          <a:p>
+            <a:endParaRPr lang="en-US" dirty="0" smtClean="0"/>
+          </a:p>
+          <a:p>
+            <a:pPr>
+              <a:buNone/>
+            </a:pPr>
             <a:endParaRPr lang="en-US" dirty="0"/>
           </a:p>
         </p:txBody>
@@ -5143,11 +5305,18 @@
   <p:clrMapOvr>
     <a:masterClrMapping/>
   </p:clrMapOvr>
+  <p:timing>
+    <p:tnLst>
+      <p:par>
+        <p:cTn xmlns:p14="http://schemas.microsoft.com/office/powerpoint/2010/main" id="1" dur="indefinite" restart="never" nodeType="tmRoot"/>
+      </p:par>
+    </p:tnLst>
+  </p:timing>
 </p:sld>
 </file>
 
-<file path=ppt/slides/slide9.xml><?xml version="1.0" encoding="utf-8"?>
-<p:sld xmlns:a="http://schemas.openxmlformats.org/drawingml/2006/main" xmlns:r="http://schemas.openxmlformats.org/officeDocument/2006/relationships" xmlns:mc="http://schemas.openxmlformats.org/markup-compatibility/2006" xmlns:mv="urn:schemas-microsoft-com:mac:vml" xmlns:p="http://schemas.openxmlformats.org/presentationml/2006/main" mc:Ignorable="mv" mc:PreserveAttributes="mv:*">
+<file path=ppt/slides/slide7.xml><?xml version="1.0" encoding="utf-8"?>
+<p:sld xmlns:a="http://schemas.openxmlformats.org/drawingml/2006/main" xmlns:r="http://schemas.openxmlformats.org/officeDocument/2006/relationships" xmlns:p="http://schemas.openxmlformats.org/presentationml/2006/main">
   <p:cSld>
     <p:spTree>
       <p:nvGrpSpPr>
@@ -5180,7 +5349,7 @@
           <a:p>
             <a:r>
               <a:rPr lang="en-US" dirty="0" smtClean="0"/>
-              <a:t>References</a:t>
+              <a:t>Git commands</a:t>
             </a:r>
             <a:endParaRPr lang="en-US" dirty="0"/>
           </a:p>
@@ -5196,23 +5365,165 @@
             <p:ph sz="quarter" idx="1"/>
           </p:nvPr>
         </p:nvSpPr>
-        <p:spPr/>
-        <p:txBody>
-          <a:bodyPr/>
-          <a:lstStyle/>
-          <a:p>
-            <a:r>
-              <a:rPr lang="en-US" dirty="0" smtClean="0"/>
-              <a:t>http://git-</a:t>
+        <p:spPr>
+          <a:xfrm>
+            <a:off x="914400" y="1853398"/>
+            <a:ext cx="7772400" cy="4166402"/>
+          </a:xfrm>
+        </p:spPr>
+        <p:txBody>
+          <a:bodyPr>
+            <a:normAutofit fontScale="70000" lnSpcReduction="20000"/>
+          </a:bodyPr>
+          <a:lstStyle/>
+          <a:p>
+            <a:r>
+              <a:rPr lang="en-US" dirty="0" smtClean="0"/>
+              <a:t>Adding new/modified files to staging area</a:t>
+            </a:r>
+          </a:p>
+          <a:p>
+            <a:pPr>
+              <a:buNone/>
+            </a:pPr>
+            <a:r>
+              <a:rPr lang="en-US" dirty="0" smtClean="0"/>
+              <a:t>	$ git add &lt;</a:t>
             </a:r>
             <a:r>
               <a:rPr lang="en-US" dirty="0" err="1" smtClean="0"/>
-              <a:t>scm.com</a:t>
-            </a:r>
-            <a:r>
-              <a:rPr lang="en-US" dirty="0" smtClean="0"/>
-              <a:t>/</a:t>
-            </a:r>
+              <a:t>file_name</a:t>
+            </a:r>
+            <a:r>
+              <a:rPr lang="en-US" dirty="0" smtClean="0"/>
+              <a:t>&gt;</a:t>
+            </a:r>
+          </a:p>
+          <a:p>
+            <a:pPr>
+              <a:buNone/>
+            </a:pPr>
+            <a:r>
+              <a:rPr lang="en-US" dirty="0"/>
+              <a:t> </a:t>
+            </a:r>
+            <a:r>
+              <a:rPr lang="en-US" dirty="0" smtClean="0"/>
+              <a:t>    $ </a:t>
+            </a:r>
+            <a:r>
+              <a:rPr lang="en-US" dirty="0" err="1" smtClean="0"/>
+              <a:t>git</a:t>
+            </a:r>
+            <a:r>
+              <a:rPr lang="en-US" dirty="0" smtClean="0"/>
+              <a:t> add –p </a:t>
+            </a:r>
+          </a:p>
+          <a:p>
+            <a:pPr>
+              <a:buNone/>
+            </a:pPr>
+            <a:r>
+              <a:rPr lang="en-US" dirty="0"/>
+              <a:t> </a:t>
+            </a:r>
+            <a:r>
+              <a:rPr lang="en-US" dirty="0" smtClean="0"/>
+              <a:t>    $ </a:t>
+            </a:r>
+            <a:r>
+              <a:rPr lang="en-US" dirty="0" err="1" smtClean="0"/>
+              <a:t>git</a:t>
+            </a:r>
+            <a:r>
+              <a:rPr lang="en-US" dirty="0" smtClean="0"/>
+              <a:t> add .</a:t>
+            </a:r>
+          </a:p>
+          <a:p>
+            <a:pPr>
+              <a:buNone/>
+            </a:pPr>
+            <a:r>
+              <a:rPr lang="en-US" dirty="0"/>
+              <a:t> </a:t>
+            </a:r>
+            <a:r>
+              <a:rPr lang="en-US" dirty="0" smtClean="0"/>
+              <a:t>    $ </a:t>
+            </a:r>
+            <a:r>
+              <a:rPr lang="en-US" dirty="0" err="1" smtClean="0"/>
+              <a:t>git</a:t>
+            </a:r>
+            <a:r>
+              <a:rPr lang="en-US" dirty="0" smtClean="0"/>
+              <a:t> add –A </a:t>
+            </a:r>
+            <a:endParaRPr lang="en-US" dirty="0" smtClean="0"/>
+          </a:p>
+          <a:p>
+            <a:pPr>
+              <a:buNone/>
+            </a:pPr>
+            <a:endParaRPr lang="en-US" dirty="0" smtClean="0"/>
+          </a:p>
+          <a:p>
+            <a:r>
+              <a:rPr lang="en-US" dirty="0" smtClean="0"/>
+              <a:t>What you have changed but not yet staged</a:t>
+            </a:r>
+          </a:p>
+          <a:p>
+            <a:pPr>
+              <a:buNone/>
+            </a:pPr>
+            <a:r>
+              <a:rPr lang="en-US" dirty="0" smtClean="0"/>
+              <a:t>	$ git diff</a:t>
+            </a:r>
+          </a:p>
+          <a:p>
+            <a:pPr>
+              <a:buNone/>
+            </a:pPr>
+            <a:endParaRPr lang="en-US" dirty="0" smtClean="0"/>
+          </a:p>
+          <a:p>
+            <a:r>
+              <a:rPr lang="en-US" dirty="0" smtClean="0"/>
+              <a:t>What you have changed that is staged</a:t>
+            </a:r>
+          </a:p>
+          <a:p>
+            <a:pPr>
+              <a:buNone/>
+            </a:pPr>
+            <a:r>
+              <a:rPr lang="en-US" dirty="0" smtClean="0"/>
+              <a:t>	$ git diff --cached</a:t>
+            </a:r>
+          </a:p>
+          <a:p>
+            <a:endParaRPr lang="en-US" dirty="0" smtClean="0"/>
+          </a:p>
+          <a:p>
+            <a:endParaRPr lang="en-US" dirty="0" smtClean="0"/>
+          </a:p>
+          <a:p>
+            <a:pPr>
+              <a:buNone/>
+            </a:pPr>
+            <a:r>
+              <a:rPr lang="en-US" dirty="0" smtClean="0"/>
+              <a:t>	</a:t>
+            </a:r>
+          </a:p>
+          <a:p>
+            <a:pPr>
+              <a:buNone/>
+            </a:pPr>
             <a:endParaRPr lang="en-US" dirty="0"/>
           </a:p>
         </p:txBody>
@@ -5222,6 +5533,364 @@
   <p:clrMapOvr>
     <a:masterClrMapping/>
   </p:clrMapOvr>
+  <p:timing>
+    <p:tnLst>
+      <p:par>
+        <p:cTn xmlns:p14="http://schemas.microsoft.com/office/powerpoint/2010/main" id="1" dur="indefinite" restart="never" nodeType="tmRoot"/>
+      </p:par>
+    </p:tnLst>
+  </p:timing>
+</p:sld>
+</file>
+
+<file path=ppt/slides/slide8.xml><?xml version="1.0" encoding="utf-8"?>
+<p:sld xmlns:a="http://schemas.openxmlformats.org/drawingml/2006/main" xmlns:r="http://schemas.openxmlformats.org/officeDocument/2006/relationships" xmlns:p="http://schemas.openxmlformats.org/presentationml/2006/main">
+  <p:cSld>
+    <p:spTree>
+      <p:nvGrpSpPr>
+        <p:cNvPr id="1" name=""/>
+        <p:cNvGrpSpPr/>
+        <p:nvPr/>
+      </p:nvGrpSpPr>
+      <p:grpSpPr>
+        <a:xfrm>
+          <a:off x="0" y="0"/>
+          <a:ext cx="0" cy="0"/>
+          <a:chOff x="0" y="0"/>
+          <a:chExt cx="0" cy="0"/>
+        </a:xfrm>
+      </p:grpSpPr>
+      <p:sp>
+        <p:nvSpPr>
+          <p:cNvPr id="2" name="Title 1"/>
+          <p:cNvSpPr>
+            <a:spLocks noGrp="1"/>
+          </p:cNvSpPr>
+          <p:nvPr>
+            <p:ph type="title"/>
+          </p:nvPr>
+        </p:nvSpPr>
+        <p:spPr/>
+        <p:txBody>
+          <a:bodyPr/>
+          <a:lstStyle/>
+          <a:p>
+            <a:r>
+              <a:rPr lang="en-US" dirty="0" smtClean="0"/>
+              <a:t>Git commands</a:t>
+            </a:r>
+            <a:endParaRPr lang="en-US" dirty="0"/>
+          </a:p>
+        </p:txBody>
+      </p:sp>
+      <p:sp>
+        <p:nvSpPr>
+          <p:cNvPr id="3" name="Content Placeholder 2"/>
+          <p:cNvSpPr>
+            <a:spLocks noGrp="1"/>
+          </p:cNvSpPr>
+          <p:nvPr>
+            <p:ph sz="quarter" idx="1"/>
+          </p:nvPr>
+        </p:nvSpPr>
+        <p:spPr>
+          <a:xfrm>
+            <a:off x="914400" y="1684422"/>
+            <a:ext cx="7772400" cy="4335378"/>
+          </a:xfrm>
+        </p:spPr>
+        <p:txBody>
+          <a:bodyPr>
+            <a:normAutofit fontScale="85000" lnSpcReduction="20000"/>
+          </a:bodyPr>
+          <a:lstStyle/>
+          <a:p>
+            <a:r>
+              <a:rPr lang="en-US" dirty="0" smtClean="0"/>
+              <a:t>Committing the changes in staging area</a:t>
+            </a:r>
+          </a:p>
+          <a:p>
+            <a:pPr>
+              <a:buNone/>
+            </a:pPr>
+            <a:r>
+              <a:rPr lang="en-US" dirty="0" smtClean="0"/>
+              <a:t>	$ git commit </a:t>
+            </a:r>
+            <a:endParaRPr lang="en-US" dirty="0" smtClean="0"/>
+          </a:p>
+          <a:p>
+            <a:pPr>
+              <a:buNone/>
+            </a:pPr>
+            <a:r>
+              <a:rPr lang="en-US" dirty="0"/>
+              <a:t> </a:t>
+            </a:r>
+            <a:r>
+              <a:rPr lang="en-US" dirty="0" smtClean="0"/>
+              <a:t>   $ </a:t>
+            </a:r>
+            <a:r>
+              <a:rPr lang="en-US" dirty="0" err="1" smtClean="0"/>
+              <a:t>git</a:t>
+            </a:r>
+            <a:r>
+              <a:rPr lang="en-US" dirty="0" smtClean="0"/>
+              <a:t> commit –m “message”</a:t>
+            </a:r>
+          </a:p>
+          <a:p>
+            <a:pPr>
+              <a:buNone/>
+            </a:pPr>
+            <a:endParaRPr lang="en-US" dirty="0"/>
+          </a:p>
+          <a:p>
+            <a:r>
+              <a:rPr lang="en-US" dirty="0"/>
+              <a:t>Amend a previous commit</a:t>
+            </a:r>
+          </a:p>
+          <a:p>
+            <a:pPr marL="0" indent="0">
+              <a:buNone/>
+            </a:pPr>
+            <a:r>
+              <a:rPr lang="en-US" dirty="0"/>
+              <a:t>    $ </a:t>
+            </a:r>
+            <a:r>
+              <a:rPr lang="en-US" dirty="0" err="1"/>
+              <a:t>git</a:t>
+            </a:r>
+            <a:r>
+              <a:rPr lang="en-US" dirty="0"/>
+              <a:t> commit –</a:t>
+            </a:r>
+            <a:r>
+              <a:rPr lang="en-US" dirty="0" smtClean="0"/>
+              <a:t>amend</a:t>
+            </a:r>
+          </a:p>
+          <a:p>
+            <a:pPr marL="0" indent="0">
+              <a:buNone/>
+            </a:pPr>
+            <a:endParaRPr lang="en-US" dirty="0" smtClean="0"/>
+          </a:p>
+          <a:p>
+            <a:r>
+              <a:rPr lang="en-US" dirty="0" smtClean="0"/>
+              <a:t>Removing </a:t>
+            </a:r>
+            <a:r>
+              <a:rPr lang="en-US" dirty="0" smtClean="0"/>
+              <a:t>a file from git </a:t>
+            </a:r>
+          </a:p>
+          <a:p>
+            <a:pPr>
+              <a:buNone/>
+            </a:pPr>
+            <a:r>
+              <a:rPr lang="en-US" dirty="0" smtClean="0"/>
+              <a:t>	$ git rm &lt;file_name&gt;</a:t>
+            </a:r>
+          </a:p>
+          <a:p>
+            <a:pPr>
+              <a:buNone/>
+            </a:pPr>
+            <a:endParaRPr lang="en-US" dirty="0" smtClean="0"/>
+          </a:p>
+          <a:p>
+            <a:r>
+              <a:rPr lang="en-US" dirty="0" smtClean="0"/>
+              <a:t>Renaming/moving a </a:t>
+            </a:r>
+            <a:r>
+              <a:rPr lang="en-US" dirty="0" smtClean="0"/>
+              <a:t>file</a:t>
+            </a:r>
+          </a:p>
+          <a:p>
+            <a:pPr>
+              <a:buNone/>
+            </a:pPr>
+            <a:r>
+              <a:rPr lang="en-US" dirty="0"/>
+              <a:t>	</a:t>
+            </a:r>
+            <a:r>
+              <a:rPr lang="en-US" dirty="0" smtClean="0"/>
+              <a:t>$ </a:t>
+            </a:r>
+            <a:r>
+              <a:rPr lang="en-US" dirty="0" smtClean="0"/>
+              <a:t>git mv file_from file_to</a:t>
+            </a:r>
+          </a:p>
+          <a:p>
+            <a:pPr>
+              <a:buNone/>
+            </a:pPr>
+            <a:endParaRPr lang="en-US" dirty="0" smtClean="0"/>
+          </a:p>
+          <a:p>
+            <a:pPr>
+              <a:buNone/>
+            </a:pPr>
+            <a:endParaRPr lang="en-US" dirty="0" smtClean="0"/>
+          </a:p>
+          <a:p>
+            <a:pPr>
+              <a:buNone/>
+            </a:pPr>
+            <a:endParaRPr lang="en-US" dirty="0" smtClean="0"/>
+          </a:p>
+          <a:p>
+            <a:pPr>
+              <a:buNone/>
+            </a:pPr>
+            <a:endParaRPr lang="en-US" dirty="0"/>
+          </a:p>
+        </p:txBody>
+      </p:sp>
+    </p:spTree>
+  </p:cSld>
+  <p:clrMapOvr>
+    <a:masterClrMapping/>
+  </p:clrMapOvr>
+  <p:timing>
+    <p:tnLst>
+      <p:par>
+        <p:cTn xmlns:p14="http://schemas.microsoft.com/office/powerpoint/2010/main" id="1" dur="indefinite" restart="never" nodeType="tmRoot"/>
+      </p:par>
+    </p:tnLst>
+  </p:timing>
+</p:sld>
+</file>
+
+<file path=ppt/slides/slide9.xml><?xml version="1.0" encoding="utf-8"?>
+<p:sld xmlns:a="http://schemas.openxmlformats.org/drawingml/2006/main" xmlns:r="http://schemas.openxmlformats.org/officeDocument/2006/relationships" xmlns:p="http://schemas.openxmlformats.org/presentationml/2006/main">
+  <p:cSld>
+    <p:spTree>
+      <p:nvGrpSpPr>
+        <p:cNvPr id="1" name=""/>
+        <p:cNvGrpSpPr/>
+        <p:nvPr/>
+      </p:nvGrpSpPr>
+      <p:grpSpPr>
+        <a:xfrm>
+          <a:off x="0" y="0"/>
+          <a:ext cx="0" cy="0"/>
+          <a:chOff x="0" y="0"/>
+          <a:chExt cx="0" cy="0"/>
+        </a:xfrm>
+      </p:grpSpPr>
+      <p:sp>
+        <p:nvSpPr>
+          <p:cNvPr id="2" name="Title 1"/>
+          <p:cNvSpPr>
+            <a:spLocks noGrp="1"/>
+          </p:cNvSpPr>
+          <p:nvPr>
+            <p:ph type="title"/>
+          </p:nvPr>
+        </p:nvSpPr>
+        <p:spPr/>
+        <p:txBody>
+          <a:bodyPr/>
+          <a:lstStyle/>
+          <a:p>
+            <a:r>
+              <a:rPr lang="en-US" dirty="0" smtClean="0"/>
+              <a:t>Git commands</a:t>
+            </a:r>
+            <a:endParaRPr lang="en-US" dirty="0"/>
+          </a:p>
+        </p:txBody>
+      </p:sp>
+      <p:sp>
+        <p:nvSpPr>
+          <p:cNvPr id="3" name="Content Placeholder 2"/>
+          <p:cNvSpPr>
+            <a:spLocks noGrp="1"/>
+          </p:cNvSpPr>
+          <p:nvPr>
+            <p:ph sz="quarter" idx="1"/>
+          </p:nvPr>
+        </p:nvSpPr>
+        <p:spPr>
+          <a:xfrm>
+            <a:off x="914400" y="1904880"/>
+            <a:ext cx="7772400" cy="4114919"/>
+          </a:xfrm>
+        </p:spPr>
+        <p:txBody>
+          <a:bodyPr/>
+          <a:lstStyle/>
+          <a:p>
+            <a:r>
+              <a:rPr lang="en-US" dirty="0" smtClean="0"/>
+              <a:t>Viewing the commit history</a:t>
+            </a:r>
+          </a:p>
+          <a:p>
+            <a:pPr>
+              <a:buNone/>
+            </a:pPr>
+            <a:r>
+              <a:rPr lang="en-US" dirty="0" smtClean="0"/>
+              <a:t>   $ git log</a:t>
+            </a:r>
+          </a:p>
+          <a:p>
+            <a:pPr>
+              <a:buNone/>
+            </a:pPr>
+            <a:endParaRPr lang="en-US" dirty="0" smtClean="0"/>
+          </a:p>
+          <a:p>
+            <a:r>
+              <a:rPr lang="en-US" dirty="0" smtClean="0"/>
+              <a:t>Unstaging a staged file</a:t>
+            </a:r>
+          </a:p>
+          <a:p>
+            <a:pPr>
+              <a:buNone/>
+            </a:pPr>
+            <a:r>
+              <a:rPr lang="en-US" dirty="0" smtClean="0"/>
+              <a:t>   $ git reset HEAD &lt;file_name&gt;</a:t>
+            </a:r>
+          </a:p>
+          <a:p>
+            <a:pPr>
+              <a:buNone/>
+            </a:pPr>
+            <a:endParaRPr lang="en-US" dirty="0" smtClean="0"/>
+          </a:p>
+          <a:p>
+            <a:endParaRPr lang="en-US" dirty="0"/>
+          </a:p>
+        </p:txBody>
+      </p:sp>
+    </p:spTree>
+  </p:cSld>
+  <p:clrMapOvr>
+    <a:masterClrMapping/>
+  </p:clrMapOvr>
+  <p:timing>
+    <p:tnLst>
+      <p:par>
+        <p:cTn xmlns:p14="http://schemas.microsoft.com/office/powerpoint/2010/main" id="1" dur="indefinite" restart="never" nodeType="tmRoot"/>
+      </p:par>
+    </p:tnLst>
+  </p:timing>
 </p:sld>
 </file>
 

--- a/GIT.pptx
+++ b/GIT.pptx
@@ -5,7 +5,7 @@
     <p:sldMasterId id="2147483784" r:id="rId1"/>
   </p:sldMasterIdLst>
   <p:notesMasterIdLst>
-    <p:notesMasterId r:id="rId13"/>
+    <p:notesMasterId r:id="rId28"/>
   </p:notesMasterIdLst>
   <p:sldIdLst>
     <p:sldId id="256" r:id="rId2"/>
@@ -18,7 +18,22 @@
     <p:sldId id="262" r:id="rId9"/>
     <p:sldId id="263" r:id="rId10"/>
     <p:sldId id="266" r:id="rId11"/>
-    <p:sldId id="264" r:id="rId12"/>
+    <p:sldId id="267" r:id="rId12"/>
+    <p:sldId id="268" r:id="rId13"/>
+    <p:sldId id="269" r:id="rId14"/>
+    <p:sldId id="270" r:id="rId15"/>
+    <p:sldId id="271" r:id="rId16"/>
+    <p:sldId id="272" r:id="rId17"/>
+    <p:sldId id="273" r:id="rId18"/>
+    <p:sldId id="274" r:id="rId19"/>
+    <p:sldId id="275" r:id="rId20"/>
+    <p:sldId id="276" r:id="rId21"/>
+    <p:sldId id="277" r:id="rId22"/>
+    <p:sldId id="278" r:id="rId23"/>
+    <p:sldId id="279" r:id="rId24"/>
+    <p:sldId id="280" r:id="rId25"/>
+    <p:sldId id="281" r:id="rId26"/>
+    <p:sldId id="264" r:id="rId27"/>
   </p:sldIdLst>
   <p:sldSz cx="9144000" cy="6858000" type="screen4x3"/>
   <p:notesSz cx="6858000" cy="9144000"/>
@@ -202,7 +217,7 @@
           <a:p>
             <a:fld id="{6BA818C6-122A-C54A-9BA7-B181109A049D}" type="datetimeFigureOut">
               <a:rPr lang="en-US" smtClean="0"/>
-              <a:t>9/22/13</a:t>
+              <a:t>9/30/13</a:t>
             </a:fld>
             <a:endParaRPr lang="en-US"/>
           </a:p>
@@ -1040,7 +1055,7 @@
           <a:p>
             <a:fld id="{F3F7ACB4-D3E4-F246-8585-4F078D14E97C}" type="datetimeFigureOut">
               <a:rPr lang="en-US" smtClean="0"/>
-              <a:t>9/22/13</a:t>
+              <a:t>9/30/13</a:t>
             </a:fld>
             <a:endParaRPr lang="en-US"/>
           </a:p>
@@ -1394,7 +1409,7 @@
           <a:p>
             <a:fld id="{F3F7ACB4-D3E4-F246-8585-4F078D14E97C}" type="datetimeFigureOut">
               <a:rPr lang="en-US" smtClean="0"/>
-              <a:t>9/22/13</a:t>
+              <a:t>9/30/13</a:t>
             </a:fld>
             <a:endParaRPr lang="en-US"/>
           </a:p>
@@ -1569,7 +1584,7 @@
           <a:p>
             <a:fld id="{F3F7ACB4-D3E4-F246-8585-4F078D14E97C}" type="datetimeFigureOut">
               <a:rPr lang="en-US" smtClean="0"/>
-              <a:t>9/22/13</a:t>
+              <a:t>9/30/13</a:t>
             </a:fld>
             <a:endParaRPr lang="en-US"/>
           </a:p>
@@ -1682,7 +1697,7 @@
           <a:p>
             <a:fld id="{F3F7ACB4-D3E4-F246-8585-4F078D14E97C}" type="datetimeFigureOut">
               <a:rPr lang="en-US" smtClean="0"/>
-              <a:t>9/22/13</a:t>
+              <a:t>9/30/13</a:t>
             </a:fld>
             <a:endParaRPr lang="en-US"/>
           </a:p>
@@ -2040,7 +2055,7 @@
           <a:p>
             <a:fld id="{F3F7ACB4-D3E4-F246-8585-4F078D14E97C}" type="datetimeFigureOut">
               <a:rPr lang="en-US" smtClean="0"/>
-              <a:t>9/22/13</a:t>
+              <a:t>9/30/13</a:t>
             </a:fld>
             <a:endParaRPr lang="en-US"/>
           </a:p>
@@ -2305,7 +2320,7 @@
           <a:p>
             <a:fld id="{F3F7ACB4-D3E4-F246-8585-4F078D14E97C}" type="datetimeFigureOut">
               <a:rPr lang="en-US" smtClean="0"/>
-              <a:t>9/22/13</a:t>
+              <a:t>9/30/13</a:t>
             </a:fld>
             <a:endParaRPr lang="en-US"/>
           </a:p>
@@ -2667,7 +2682,7 @@
           <a:p>
             <a:fld id="{F3F7ACB4-D3E4-F246-8585-4F078D14E97C}" type="datetimeFigureOut">
               <a:rPr lang="en-US" smtClean="0"/>
-              <a:t>9/22/13</a:t>
+              <a:t>9/30/13</a:t>
             </a:fld>
             <a:endParaRPr lang="en-US"/>
           </a:p>
@@ -2894,7 +2909,7 @@
           <a:p>
             <a:fld id="{F3F7ACB4-D3E4-F246-8585-4F078D14E97C}" type="datetimeFigureOut">
               <a:rPr lang="en-US" smtClean="0"/>
-              <a:t>9/22/13</a:t>
+              <a:t>9/30/13</a:t>
             </a:fld>
             <a:endParaRPr lang="en-US"/>
           </a:p>
@@ -2984,7 +2999,7 @@
           <a:p>
             <a:fld id="{F3F7ACB4-D3E4-F246-8585-4F078D14E97C}" type="datetimeFigureOut">
               <a:rPr lang="en-US" smtClean="0"/>
-              <a:t>9/22/13</a:t>
+              <a:t>9/30/13</a:t>
             </a:fld>
             <a:endParaRPr lang="en-US"/>
           </a:p>
@@ -3251,7 +3266,7 @@
           <a:p>
             <a:fld id="{F3F7ACB4-D3E4-F246-8585-4F078D14E97C}" type="datetimeFigureOut">
               <a:rPr lang="en-US" smtClean="0"/>
-              <a:t>9/22/13</a:t>
+              <a:t>9/30/13</a:t>
             </a:fld>
             <a:endParaRPr lang="en-US"/>
           </a:p>
@@ -3480,7 +3495,7 @@
           <a:p>
             <a:fld id="{F3F7ACB4-D3E4-F246-8585-4F078D14E97C}" type="datetimeFigureOut">
               <a:rPr lang="en-US" smtClean="0"/>
-              <a:t>9/22/13</a:t>
+              <a:t>9/30/13</a:t>
             </a:fld>
             <a:endParaRPr lang="en-US"/>
           </a:p>
@@ -3979,7 +3994,7 @@
           <a:p>
             <a:fld id="{F3F7ACB4-D3E4-F246-8585-4F078D14E97C}" type="datetimeFigureOut">
               <a:rPr lang="en-US" smtClean="0"/>
-              <a:t>9/22/13</a:t>
+              <a:t>9/30/13</a:t>
             </a:fld>
             <a:endParaRPr lang="en-US"/>
           </a:p>
@@ -4395,26 +4410,75 @@
         </p:nvSpPr>
         <p:spPr>
           <a:xfrm>
-            <a:off x="2286000" y="4800600"/>
-            <a:ext cx="6400800" cy="1600200"/>
+            <a:off x="337791" y="3553123"/>
+            <a:ext cx="8349009" cy="2847677"/>
           </a:xfrm>
         </p:spPr>
         <p:txBody>
           <a:bodyPr>
-            <a:normAutofit/>
+            <a:normAutofit fontScale="92500" lnSpcReduction="20000"/>
           </a:bodyPr>
           <a:lstStyle/>
           <a:p>
+            <a:r>
+              <a:rPr lang="en-US" dirty="0" smtClean="0"/>
+              <a:t>This Presentation is an informational presentation and none of the content or diagrams in it </a:t>
+            </a:r>
+            <a:r>
+              <a:rPr lang="en-US" dirty="0" smtClean="0"/>
+              <a:t>are</a:t>
+            </a:r>
+            <a:r>
+              <a:rPr lang="en-US" dirty="0" smtClean="0"/>
+              <a:t> original. I have used the </a:t>
+            </a:r>
+            <a:r>
+              <a:rPr lang="en-US" dirty="0" smtClean="0">
+                <a:hlinkClick r:id="rId2"/>
+              </a:rPr>
+              <a:t>ww</a:t>
+            </a:r>
+            <a:r>
+              <a:rPr lang="en-US" dirty="0" smtClean="0">
+                <a:hlinkClick r:id="rId2"/>
+              </a:rPr>
+              <a:t>w.git-scm.com</a:t>
+            </a:r>
+            <a:r>
+              <a:rPr lang="en-US" dirty="0" smtClean="0"/>
+              <a:t> for the content/diagrams of this presentation. This Presentation is created to teach the ladies at Women Who Code about GIT.</a:t>
+            </a:r>
             <a:endParaRPr lang="en-US" dirty="0" smtClean="0"/>
           </a:p>
           <a:p>
             <a:r>
               <a:rPr lang="en-US" dirty="0" smtClean="0"/>
-              <a:t>                                      --Sowjanya </a:t>
-            </a:r>
-            <a:r>
-              <a:rPr lang="en-US" dirty="0" err="1" smtClean="0"/>
-              <a:t>Mudunuri</a:t>
+              <a:t>                                     </a:t>
+            </a:r>
+            <a:endParaRPr lang="en-US" dirty="0" smtClean="0"/>
+          </a:p>
+          <a:p>
+            <a:endParaRPr lang="en-US" dirty="0"/>
+          </a:p>
+          <a:p>
+            <a:endParaRPr lang="en-US" dirty="0" smtClean="0"/>
+          </a:p>
+          <a:p>
+            <a:r>
+              <a:rPr lang="en-US" dirty="0"/>
+              <a:t>	</a:t>
+            </a:r>
+            <a:r>
+              <a:rPr lang="en-US" dirty="0" smtClean="0"/>
+              <a:t>								</a:t>
+            </a:r>
+            <a:r>
+              <a:rPr lang="en-US" dirty="0" smtClean="0"/>
+              <a:t> </a:t>
+            </a:r>
+            <a:r>
+              <a:rPr lang="en-US" dirty="0" smtClean="0"/>
+              <a:t>--Sowjanya Mudunuri</a:t>
             </a:r>
             <a:endParaRPr lang="en-US" dirty="0"/>
           </a:p>
@@ -4573,49 +4637,95 @@
         </p:nvSpPr>
         <p:spPr/>
         <p:txBody>
+          <a:bodyPr>
+            <a:normAutofit fontScale="90000"/>
+          </a:bodyPr>
+          <a:lstStyle/>
+          <a:p>
+            <a:r>
+              <a:rPr lang="en-US" dirty="0" smtClean="0"/>
+              <a:t>Refresher….</a:t>
+            </a:r>
+            <a:r>
+              <a:rPr lang="en-US" dirty="0"/>
+              <a:t> What is a GIT Commit?</a:t>
+            </a:r>
+            <a:br>
+              <a:rPr lang="en-US" dirty="0"/>
+            </a:br>
+            <a:endParaRPr lang="en-US" dirty="0"/>
+          </a:p>
+        </p:txBody>
+      </p:sp>
+      <p:sp>
+        <p:nvSpPr>
+          <p:cNvPr id="3" name="Content Placeholder 2"/>
+          <p:cNvSpPr>
+            <a:spLocks noGrp="1"/>
+          </p:cNvSpPr>
+          <p:nvPr>
+            <p:ph sz="quarter" idx="1"/>
+          </p:nvPr>
+        </p:nvSpPr>
+        <p:spPr/>
+        <p:txBody>
           <a:bodyPr/>
           <a:lstStyle/>
           <a:p>
-            <a:r>
-              <a:rPr lang="en-US" dirty="0" smtClean="0"/>
-              <a:t>References</a:t>
+            <a:pPr>
+              <a:buFont typeface="Arial"/>
+              <a:buChar char="•"/>
+            </a:pPr>
+            <a:r>
+              <a:rPr lang="en-US" dirty="0" smtClean="0"/>
+              <a:t>It is a commit object that contains a pointer to the snapshot of the content you staged, the author and message meta data,</a:t>
+            </a:r>
+            <a:r>
+              <a:rPr lang="en-US" dirty="0"/>
+              <a:t> </a:t>
+            </a:r>
+            <a:r>
+              <a:rPr lang="en-US" dirty="0" smtClean="0"/>
+              <a:t>and pointers to the commit/commits that were direct parents of this commit.  </a:t>
+            </a:r>
+          </a:p>
+          <a:p>
+            <a:pPr>
+              <a:buFont typeface="Arial"/>
+              <a:buChar char="•"/>
+            </a:pPr>
+            <a:r>
+              <a:rPr lang="en-US" dirty="0" smtClean="0"/>
+              <a:t>Zero parents for the first commit, one parent for a normal commit, and multiple parents for a commit that results from a merge of two or more branches. </a:t>
+            </a:r>
+          </a:p>
+          <a:p>
+            <a:pPr>
+              <a:buFont typeface="Arial"/>
+              <a:buChar char="•"/>
+            </a:pPr>
+            <a:r>
+              <a:rPr lang="en-US" dirty="0" smtClean="0"/>
+              <a:t>$ </a:t>
+            </a:r>
+            <a:r>
+              <a:rPr lang="en-US" dirty="0" err="1" smtClean="0"/>
+              <a:t>git</a:t>
+            </a:r>
+            <a:r>
+              <a:rPr lang="en-US" dirty="0" smtClean="0"/>
+              <a:t> commit –m “My message”</a:t>
             </a:r>
             <a:endParaRPr lang="en-US" dirty="0"/>
           </a:p>
         </p:txBody>
       </p:sp>
-      <p:sp>
-        <p:nvSpPr>
-          <p:cNvPr id="3" name="Content Placeholder 2"/>
-          <p:cNvSpPr>
-            <a:spLocks noGrp="1"/>
-          </p:cNvSpPr>
-          <p:nvPr>
-            <p:ph sz="quarter" idx="1"/>
-          </p:nvPr>
-        </p:nvSpPr>
-        <p:spPr/>
-        <p:txBody>
-          <a:bodyPr/>
-          <a:lstStyle/>
-          <a:p>
-            <a:r>
-              <a:rPr lang="en-US" dirty="0" smtClean="0"/>
-              <a:t>http://git-</a:t>
-            </a:r>
-            <a:r>
-              <a:rPr lang="en-US" dirty="0" err="1" smtClean="0"/>
-              <a:t>scm.com</a:t>
-            </a:r>
-            <a:r>
-              <a:rPr lang="en-US" dirty="0" smtClean="0"/>
-              <a:t>/</a:t>
-            </a:r>
-            <a:endParaRPr lang="en-US" dirty="0"/>
-          </a:p>
-        </p:txBody>
-      </p:sp>
     </p:spTree>
+    <p:extLst>
+      <p:ext uri="{BB962C8B-B14F-4D97-AF65-F5344CB8AC3E}">
+        <p14:creationId xmlns:p14="http://schemas.microsoft.com/office/powerpoint/2010/main" val="3826702023"/>
+      </p:ext>
+    </p:extLst>
   </p:cSld>
   <p:clrMapOvr>
     <a:masterClrMapping/>
@@ -4627,6 +4737,1288 @@
       </p:par>
     </p:tnLst>
   </p:timing>
+</p:sld>
+</file>
+
+<file path=ppt/slides/slide12.xml><?xml version="1.0" encoding="utf-8"?>
+<p:sld xmlns:a="http://schemas.openxmlformats.org/drawingml/2006/main" xmlns:r="http://schemas.openxmlformats.org/officeDocument/2006/relationships" xmlns:p="http://schemas.openxmlformats.org/presentationml/2006/main">
+  <p:cSld>
+    <p:spTree>
+      <p:nvGrpSpPr>
+        <p:cNvPr id="1" name=""/>
+        <p:cNvGrpSpPr/>
+        <p:nvPr/>
+      </p:nvGrpSpPr>
+      <p:grpSpPr>
+        <a:xfrm>
+          <a:off x="0" y="0"/>
+          <a:ext cx="0" cy="0"/>
+          <a:chOff x="0" y="0"/>
+          <a:chExt cx="0" cy="0"/>
+        </a:xfrm>
+      </p:grpSpPr>
+      <p:sp>
+        <p:nvSpPr>
+          <p:cNvPr id="2" name="Title 1"/>
+          <p:cNvSpPr>
+            <a:spLocks noGrp="1"/>
+          </p:cNvSpPr>
+          <p:nvPr>
+            <p:ph type="title"/>
+          </p:nvPr>
+        </p:nvSpPr>
+        <p:spPr>
+          <a:xfrm>
+            <a:off x="914400" y="274638"/>
+            <a:ext cx="7772400" cy="738610"/>
+          </a:xfrm>
+        </p:spPr>
+        <p:txBody>
+          <a:bodyPr>
+            <a:normAutofit fontScale="90000"/>
+          </a:bodyPr>
+          <a:lstStyle/>
+          <a:p>
+            <a:r>
+              <a:rPr lang="en-US" dirty="0" smtClean="0"/>
+              <a:t>What is a GIT BRANCH ?</a:t>
+            </a:r>
+            <a:endParaRPr lang="en-US" dirty="0"/>
+          </a:p>
+        </p:txBody>
+      </p:sp>
+      <p:sp>
+        <p:nvSpPr>
+          <p:cNvPr id="3" name="Content Placeholder 2"/>
+          <p:cNvSpPr>
+            <a:spLocks noGrp="1"/>
+          </p:cNvSpPr>
+          <p:nvPr>
+            <p:ph sz="quarter" idx="1"/>
+          </p:nvPr>
+        </p:nvSpPr>
+        <p:spPr>
+          <a:xfrm>
+            <a:off x="914400" y="1107818"/>
+            <a:ext cx="7772400" cy="4911982"/>
+          </a:xfrm>
+        </p:spPr>
+        <p:txBody>
+          <a:bodyPr>
+            <a:normAutofit fontScale="92500" lnSpcReduction="20000"/>
+          </a:bodyPr>
+          <a:lstStyle/>
+          <a:p>
+            <a:r>
+              <a:rPr lang="en-US" dirty="0" smtClean="0"/>
+              <a:t>It</a:t>
+            </a:r>
+            <a:r>
+              <a:rPr lang="fr-FR" dirty="0" smtClean="0"/>
+              <a:t>’</a:t>
+            </a:r>
+            <a:r>
+              <a:rPr lang="en-US" dirty="0" smtClean="0"/>
+              <a:t>s a movable pointer to one of the commits</a:t>
+            </a:r>
+          </a:p>
+          <a:p>
+            <a:r>
+              <a:rPr lang="en-US" dirty="0" smtClean="0"/>
+              <a:t>The default branch in GIT is master</a:t>
+            </a:r>
+          </a:p>
+          <a:p>
+            <a:r>
+              <a:rPr lang="en-US" dirty="0" smtClean="0"/>
+              <a:t>As you initially make commits, you’re given a master branch that points to the last commit you made</a:t>
+            </a:r>
+          </a:p>
+          <a:p>
+            <a:r>
+              <a:rPr lang="en-US" dirty="0" err="1" smtClean="0"/>
+              <a:t>Everytime</a:t>
+            </a:r>
+            <a:r>
+              <a:rPr lang="en-US" dirty="0" smtClean="0"/>
+              <a:t> you commit the pointer moves forward </a:t>
+            </a:r>
+          </a:p>
+          <a:p>
+            <a:endParaRPr lang="en-US" dirty="0"/>
+          </a:p>
+          <a:p>
+            <a:endParaRPr lang="en-US" dirty="0" smtClean="0"/>
+          </a:p>
+          <a:p>
+            <a:endParaRPr lang="en-US" dirty="0" smtClean="0"/>
+          </a:p>
+          <a:p>
+            <a:endParaRPr lang="en-US" dirty="0"/>
+          </a:p>
+          <a:p>
+            <a:pPr lvl="8"/>
+            <a:r>
+              <a:rPr lang="en-US" dirty="0" smtClean="0"/>
+              <a:t>											</a:t>
+            </a:r>
+          </a:p>
+          <a:p>
+            <a:pPr marL="2240280" lvl="8" indent="0">
+              <a:buNone/>
+            </a:pPr>
+            <a:r>
+              <a:rPr lang="en-US" dirty="0"/>
+              <a:t>	</a:t>
+            </a:r>
+            <a:r>
+              <a:rPr lang="en-US" dirty="0" smtClean="0"/>
+              <a:t>			</a:t>
+            </a:r>
+          </a:p>
+          <a:p>
+            <a:pPr marL="2240280" lvl="8" indent="0">
+              <a:buNone/>
+            </a:pPr>
+            <a:endParaRPr lang="en-US" dirty="0"/>
+          </a:p>
+          <a:p>
+            <a:pPr marL="2240280" lvl="8" indent="0">
+              <a:buNone/>
+            </a:pPr>
+            <a:endParaRPr lang="en-US" dirty="0" smtClean="0"/>
+          </a:p>
+          <a:p>
+            <a:pPr marL="2240280" lvl="8" indent="0">
+              <a:buNone/>
+            </a:pPr>
+            <a:r>
+              <a:rPr lang="en-US" dirty="0"/>
+              <a:t>	</a:t>
+            </a:r>
+            <a:r>
+              <a:rPr lang="en-US" dirty="0" smtClean="0"/>
+              <a:t>			--Ref </a:t>
+            </a:r>
+            <a:r>
+              <a:rPr lang="en-US" dirty="0" err="1" smtClean="0"/>
+              <a:t>git-scm.com</a:t>
+            </a:r>
+            <a:endParaRPr lang="en-US" dirty="0"/>
+          </a:p>
+        </p:txBody>
+      </p:sp>
+      <p:pic>
+        <p:nvPicPr>
+          <p:cNvPr id="5" name="Picture 4" descr="http://git-scm.com/figures/18333fig0303-tn.png"/>
+          <p:cNvPicPr/>
+          <p:nvPr/>
+        </p:nvPicPr>
+        <p:blipFill>
+          <a:blip r:embed="rId2">
+            <a:extLst>
+              <a:ext uri="{28A0092B-C50C-407E-A947-70E740481C1C}">
+                <a14:useLocalDpi xmlns:a14="http://schemas.microsoft.com/office/drawing/2010/main" val="0"/>
+              </a:ext>
+            </a:extLst>
+          </a:blip>
+          <a:srcRect/>
+          <a:stretch>
+            <a:fillRect/>
+          </a:stretch>
+        </p:blipFill>
+        <p:spPr bwMode="auto">
+          <a:xfrm>
+            <a:off x="1397000" y="2958684"/>
+            <a:ext cx="6350000" cy="2350736"/>
+          </a:xfrm>
+          <a:prstGeom prst="rect">
+            <a:avLst/>
+          </a:prstGeom>
+          <a:noFill/>
+          <a:ln>
+            <a:noFill/>
+          </a:ln>
+        </p:spPr>
+      </p:pic>
+    </p:spTree>
+    <p:extLst>
+      <p:ext uri="{BB962C8B-B14F-4D97-AF65-F5344CB8AC3E}">
+        <p14:creationId xmlns:p14="http://schemas.microsoft.com/office/powerpoint/2010/main" val="3798774019"/>
+      </p:ext>
+    </p:extLst>
+  </p:cSld>
+  <p:clrMapOvr>
+    <a:masterClrMapping/>
+  </p:clrMapOvr>
+  <p:timing>
+    <p:tnLst>
+      <p:par>
+        <p:cTn xmlns:p14="http://schemas.microsoft.com/office/powerpoint/2010/main" id="1" dur="indefinite" restart="never" nodeType="tmRoot"/>
+      </p:par>
+    </p:tnLst>
+  </p:timing>
+</p:sld>
+</file>
+
+<file path=ppt/slides/slide13.xml><?xml version="1.0" encoding="utf-8"?>
+<p:sld xmlns:a="http://schemas.openxmlformats.org/drawingml/2006/main" xmlns:r="http://schemas.openxmlformats.org/officeDocument/2006/relationships" xmlns:p="http://schemas.openxmlformats.org/presentationml/2006/main">
+  <p:cSld>
+    <p:spTree>
+      <p:nvGrpSpPr>
+        <p:cNvPr id="1" name=""/>
+        <p:cNvGrpSpPr/>
+        <p:nvPr/>
+      </p:nvGrpSpPr>
+      <p:grpSpPr>
+        <a:xfrm>
+          <a:off x="0" y="0"/>
+          <a:ext cx="0" cy="0"/>
+          <a:chOff x="0" y="0"/>
+          <a:chExt cx="0" cy="0"/>
+        </a:xfrm>
+      </p:grpSpPr>
+      <p:sp>
+        <p:nvSpPr>
+          <p:cNvPr id="2" name="Title 1"/>
+          <p:cNvSpPr>
+            <a:spLocks noGrp="1"/>
+          </p:cNvSpPr>
+          <p:nvPr>
+            <p:ph type="title"/>
+          </p:nvPr>
+        </p:nvSpPr>
+        <p:spPr/>
+        <p:txBody>
+          <a:bodyPr/>
+          <a:lstStyle/>
+          <a:p>
+            <a:r>
+              <a:rPr lang="en-US" dirty="0" smtClean="0"/>
+              <a:t>Creating a New Branch</a:t>
+            </a:r>
+            <a:endParaRPr lang="en-US" dirty="0"/>
+          </a:p>
+        </p:txBody>
+      </p:sp>
+      <p:sp>
+        <p:nvSpPr>
+          <p:cNvPr id="3" name="Content Placeholder 2"/>
+          <p:cNvSpPr>
+            <a:spLocks noGrp="1"/>
+          </p:cNvSpPr>
+          <p:nvPr>
+            <p:ph sz="quarter" idx="1"/>
+          </p:nvPr>
+        </p:nvSpPr>
+        <p:spPr/>
+        <p:txBody>
+          <a:bodyPr>
+            <a:normAutofit fontScale="92500" lnSpcReduction="20000"/>
+          </a:bodyPr>
+          <a:lstStyle/>
+          <a:p>
+            <a:r>
+              <a:rPr lang="en-US" dirty="0" smtClean="0"/>
+              <a:t>$ </a:t>
+            </a:r>
+            <a:r>
+              <a:rPr lang="en-US" dirty="0" err="1" smtClean="0"/>
+              <a:t>git</a:t>
+            </a:r>
+            <a:r>
+              <a:rPr lang="en-US" dirty="0" smtClean="0"/>
+              <a:t> branch testing</a:t>
+            </a:r>
+          </a:p>
+          <a:p>
+            <a:r>
+              <a:rPr lang="en-US" dirty="0" smtClean="0"/>
+              <a:t>It creates a new pointer for you to move around. </a:t>
+            </a:r>
+          </a:p>
+          <a:p>
+            <a:r>
+              <a:rPr lang="en-US" dirty="0" smtClean="0"/>
+              <a:t>This new pointer is at the same commit you’re currently on.</a:t>
+            </a:r>
+          </a:p>
+          <a:p>
+            <a:endParaRPr lang="en-US" dirty="0"/>
+          </a:p>
+          <a:p>
+            <a:endParaRPr lang="en-US" dirty="0" smtClean="0"/>
+          </a:p>
+          <a:p>
+            <a:endParaRPr lang="en-US" dirty="0"/>
+          </a:p>
+          <a:p>
+            <a:endParaRPr lang="en-US" dirty="0" smtClean="0"/>
+          </a:p>
+          <a:p>
+            <a:endParaRPr lang="en-US" dirty="0"/>
+          </a:p>
+          <a:p>
+            <a:endParaRPr lang="en-US" dirty="0" smtClean="0"/>
+          </a:p>
+          <a:p>
+            <a:endParaRPr lang="en-US" dirty="0"/>
+          </a:p>
+          <a:p>
+            <a:pPr marL="2240280" lvl="8" indent="0">
+              <a:buNone/>
+            </a:pPr>
+            <a:endParaRPr lang="en-US" dirty="0" smtClean="0"/>
+          </a:p>
+          <a:p>
+            <a:pPr lvl="8"/>
+            <a:endParaRPr lang="en-US" dirty="0"/>
+          </a:p>
+          <a:p>
+            <a:pPr lvl="8"/>
+            <a:r>
+              <a:rPr lang="en-US" dirty="0" smtClean="0"/>
+              <a:t>                                                                       Ref: </a:t>
+            </a:r>
+            <a:r>
+              <a:rPr lang="en-US" dirty="0" err="1" smtClean="0"/>
+              <a:t>git-scm.com</a:t>
+            </a:r>
+            <a:endParaRPr lang="en-US" dirty="0" smtClean="0"/>
+          </a:p>
+          <a:p>
+            <a:pPr lvl="8"/>
+            <a:endParaRPr lang="en-US" dirty="0"/>
+          </a:p>
+          <a:p>
+            <a:pPr lvl="8"/>
+            <a:endParaRPr lang="en-US" dirty="0"/>
+          </a:p>
+        </p:txBody>
+      </p:sp>
+      <p:pic>
+        <p:nvPicPr>
+          <p:cNvPr id="4" name="Picture 3" descr="http://git-scm.com/figures/18333fig0304-tn.png"/>
+          <p:cNvPicPr/>
+          <p:nvPr/>
+        </p:nvPicPr>
+        <p:blipFill>
+          <a:blip r:embed="rId2">
+            <a:extLst>
+              <a:ext uri="{28A0092B-C50C-407E-A947-70E740481C1C}">
+                <a14:useLocalDpi xmlns:a14="http://schemas.microsoft.com/office/drawing/2010/main" val="0"/>
+              </a:ext>
+            </a:extLst>
+          </a:blip>
+          <a:srcRect/>
+          <a:stretch>
+            <a:fillRect/>
+          </a:stretch>
+        </p:blipFill>
+        <p:spPr bwMode="auto">
+          <a:xfrm>
+            <a:off x="1286854" y="3053218"/>
+            <a:ext cx="6887686" cy="2310241"/>
+          </a:xfrm>
+          <a:prstGeom prst="rect">
+            <a:avLst/>
+          </a:prstGeom>
+          <a:noFill/>
+          <a:ln>
+            <a:noFill/>
+          </a:ln>
+        </p:spPr>
+      </p:pic>
+    </p:spTree>
+    <p:extLst>
+      <p:ext uri="{BB962C8B-B14F-4D97-AF65-F5344CB8AC3E}">
+        <p14:creationId xmlns:p14="http://schemas.microsoft.com/office/powerpoint/2010/main" val="1676189552"/>
+      </p:ext>
+    </p:extLst>
+  </p:cSld>
+  <p:clrMapOvr>
+    <a:masterClrMapping/>
+  </p:clrMapOvr>
+  <p:timing>
+    <p:tnLst>
+      <p:par>
+        <p:cTn xmlns:p14="http://schemas.microsoft.com/office/powerpoint/2010/main" id="1" dur="indefinite" restart="never" nodeType="tmRoot"/>
+      </p:par>
+    </p:tnLst>
+  </p:timing>
+</p:sld>
+</file>
+
+<file path=ppt/slides/slide14.xml><?xml version="1.0" encoding="utf-8"?>
+<p:sld xmlns:a="http://schemas.openxmlformats.org/drawingml/2006/main" xmlns:r="http://schemas.openxmlformats.org/officeDocument/2006/relationships" xmlns:p="http://schemas.openxmlformats.org/presentationml/2006/main">
+  <p:cSld>
+    <p:spTree>
+      <p:nvGrpSpPr>
+        <p:cNvPr id="1" name=""/>
+        <p:cNvGrpSpPr/>
+        <p:nvPr/>
+      </p:nvGrpSpPr>
+      <p:grpSpPr>
+        <a:xfrm>
+          <a:off x="0" y="0"/>
+          <a:ext cx="0" cy="0"/>
+          <a:chOff x="0" y="0"/>
+          <a:chExt cx="0" cy="0"/>
+        </a:xfrm>
+      </p:grpSpPr>
+      <p:sp>
+        <p:nvSpPr>
+          <p:cNvPr id="2" name="Title 1"/>
+          <p:cNvSpPr>
+            <a:spLocks noGrp="1"/>
+          </p:cNvSpPr>
+          <p:nvPr>
+            <p:ph type="title"/>
+          </p:nvPr>
+        </p:nvSpPr>
+        <p:spPr/>
+        <p:txBody>
+          <a:bodyPr/>
+          <a:lstStyle/>
+          <a:p>
+            <a:r>
+              <a:rPr lang="en-US" dirty="0" smtClean="0"/>
+              <a:t>More on Branches…</a:t>
+            </a:r>
+            <a:endParaRPr lang="en-US" dirty="0"/>
+          </a:p>
+        </p:txBody>
+      </p:sp>
+      <p:sp>
+        <p:nvSpPr>
+          <p:cNvPr id="3" name="Content Placeholder 2"/>
+          <p:cNvSpPr>
+            <a:spLocks noGrp="1"/>
+          </p:cNvSpPr>
+          <p:nvPr>
+            <p:ph sz="quarter" idx="1"/>
+          </p:nvPr>
+        </p:nvSpPr>
+        <p:spPr/>
+        <p:txBody>
+          <a:bodyPr/>
+          <a:lstStyle/>
+          <a:p>
+            <a:r>
+              <a:rPr lang="en-US" dirty="0" smtClean="0"/>
+              <a:t>HEAD – Is a pointer to the local branch you are currently on</a:t>
+            </a:r>
+          </a:p>
+          <a:p>
+            <a:r>
+              <a:rPr lang="en-US" dirty="0" smtClean="0"/>
+              <a:t>$</a:t>
+            </a:r>
+            <a:r>
+              <a:rPr lang="en-US" dirty="0" err="1" smtClean="0"/>
+              <a:t>git</a:t>
+            </a:r>
+            <a:r>
+              <a:rPr lang="en-US" dirty="0" smtClean="0"/>
+              <a:t> branch testing </a:t>
+            </a:r>
+          </a:p>
+          <a:p>
+            <a:r>
+              <a:rPr lang="en-US" dirty="0" smtClean="0"/>
+              <a:t>The above command only created a new branch. It did not switch the branch</a:t>
+            </a:r>
+          </a:p>
+          <a:p>
+            <a:endParaRPr lang="en-US" dirty="0"/>
+          </a:p>
+        </p:txBody>
+      </p:sp>
+      <p:pic>
+        <p:nvPicPr>
+          <p:cNvPr id="4" name="Picture 3" descr="http://git-scm.com/figures/18333fig0305-tn.png"/>
+          <p:cNvPicPr/>
+          <p:nvPr/>
+        </p:nvPicPr>
+        <p:blipFill>
+          <a:blip r:embed="rId2">
+            <a:extLst>
+              <a:ext uri="{28A0092B-C50C-407E-A947-70E740481C1C}">
+                <a14:useLocalDpi xmlns:a14="http://schemas.microsoft.com/office/drawing/2010/main" val="0"/>
+              </a:ext>
+            </a:extLst>
+          </a:blip>
+          <a:srcRect/>
+          <a:stretch>
+            <a:fillRect/>
+          </a:stretch>
+        </p:blipFill>
+        <p:spPr bwMode="auto">
+          <a:xfrm>
+            <a:off x="1705714" y="3504724"/>
+            <a:ext cx="5651500" cy="2726169"/>
+          </a:xfrm>
+          <a:prstGeom prst="rect">
+            <a:avLst/>
+          </a:prstGeom>
+          <a:noFill/>
+          <a:ln>
+            <a:noFill/>
+          </a:ln>
+        </p:spPr>
+      </p:pic>
+    </p:spTree>
+    <p:extLst>
+      <p:ext uri="{BB962C8B-B14F-4D97-AF65-F5344CB8AC3E}">
+        <p14:creationId xmlns:p14="http://schemas.microsoft.com/office/powerpoint/2010/main" val="1446363585"/>
+      </p:ext>
+    </p:extLst>
+  </p:cSld>
+  <p:clrMapOvr>
+    <a:masterClrMapping/>
+  </p:clrMapOvr>
+</p:sld>
+</file>
+
+<file path=ppt/slides/slide15.xml><?xml version="1.0" encoding="utf-8"?>
+<p:sld xmlns:a="http://schemas.openxmlformats.org/drawingml/2006/main" xmlns:r="http://schemas.openxmlformats.org/officeDocument/2006/relationships" xmlns:p="http://schemas.openxmlformats.org/presentationml/2006/main">
+  <p:cSld>
+    <p:spTree>
+      <p:nvGrpSpPr>
+        <p:cNvPr id="1" name=""/>
+        <p:cNvGrpSpPr/>
+        <p:nvPr/>
+      </p:nvGrpSpPr>
+      <p:grpSpPr>
+        <a:xfrm>
+          <a:off x="0" y="0"/>
+          <a:ext cx="0" cy="0"/>
+          <a:chOff x="0" y="0"/>
+          <a:chExt cx="0" cy="0"/>
+        </a:xfrm>
+      </p:grpSpPr>
+      <p:sp>
+        <p:nvSpPr>
+          <p:cNvPr id="2" name="Title 1"/>
+          <p:cNvSpPr>
+            <a:spLocks noGrp="1"/>
+          </p:cNvSpPr>
+          <p:nvPr>
+            <p:ph type="title"/>
+          </p:nvPr>
+        </p:nvSpPr>
+        <p:spPr/>
+        <p:txBody>
+          <a:bodyPr/>
+          <a:lstStyle/>
+          <a:p>
+            <a:r>
+              <a:rPr lang="en-US" dirty="0" smtClean="0"/>
+              <a:t>More on Branches…</a:t>
+            </a:r>
+            <a:endParaRPr lang="en-US" dirty="0"/>
+          </a:p>
+        </p:txBody>
+      </p:sp>
+      <p:sp>
+        <p:nvSpPr>
+          <p:cNvPr id="3" name="Content Placeholder 2"/>
+          <p:cNvSpPr>
+            <a:spLocks noGrp="1"/>
+          </p:cNvSpPr>
+          <p:nvPr>
+            <p:ph sz="quarter" idx="1"/>
+          </p:nvPr>
+        </p:nvSpPr>
+        <p:spPr/>
+        <p:txBody>
+          <a:bodyPr/>
+          <a:lstStyle/>
+          <a:p>
+            <a:r>
+              <a:rPr lang="en-US" dirty="0" smtClean="0"/>
+              <a:t>To switch to an existing branch</a:t>
+            </a:r>
+          </a:p>
+          <a:p>
+            <a:r>
+              <a:rPr lang="en-US" dirty="0" smtClean="0"/>
+              <a:t>$</a:t>
+            </a:r>
+            <a:r>
+              <a:rPr lang="en-US" dirty="0" err="1" smtClean="0"/>
+              <a:t>git</a:t>
+            </a:r>
+            <a:r>
+              <a:rPr lang="en-US" dirty="0" smtClean="0"/>
+              <a:t> checkout testing </a:t>
+            </a:r>
+          </a:p>
+          <a:p>
+            <a:endParaRPr lang="en-US" dirty="0"/>
+          </a:p>
+        </p:txBody>
+      </p:sp>
+      <p:pic>
+        <p:nvPicPr>
+          <p:cNvPr id="4" name="Picture 3" descr="http://git-scm.com/figures/18333fig0306-tn.png"/>
+          <p:cNvPicPr/>
+          <p:nvPr/>
+        </p:nvPicPr>
+        <p:blipFill>
+          <a:blip r:embed="rId2">
+            <a:extLst>
+              <a:ext uri="{28A0092B-C50C-407E-A947-70E740481C1C}">
+                <a14:useLocalDpi xmlns:a14="http://schemas.microsoft.com/office/drawing/2010/main" val="0"/>
+              </a:ext>
+            </a:extLst>
+          </a:blip>
+          <a:srcRect/>
+          <a:stretch>
+            <a:fillRect/>
+          </a:stretch>
+        </p:blipFill>
+        <p:spPr bwMode="auto">
+          <a:xfrm>
+            <a:off x="1461265" y="3134314"/>
+            <a:ext cx="4978400" cy="3262924"/>
+          </a:xfrm>
+          <a:prstGeom prst="rect">
+            <a:avLst/>
+          </a:prstGeom>
+          <a:noFill/>
+          <a:ln>
+            <a:noFill/>
+          </a:ln>
+        </p:spPr>
+      </p:pic>
+    </p:spTree>
+    <p:extLst>
+      <p:ext uri="{BB962C8B-B14F-4D97-AF65-F5344CB8AC3E}">
+        <p14:creationId xmlns:p14="http://schemas.microsoft.com/office/powerpoint/2010/main" val="797087148"/>
+      </p:ext>
+    </p:extLst>
+  </p:cSld>
+  <p:clrMapOvr>
+    <a:masterClrMapping/>
+  </p:clrMapOvr>
+</p:sld>
+</file>
+
+<file path=ppt/slides/slide16.xml><?xml version="1.0" encoding="utf-8"?>
+<p:sld xmlns:a="http://schemas.openxmlformats.org/drawingml/2006/main" xmlns:r="http://schemas.openxmlformats.org/officeDocument/2006/relationships" xmlns:p="http://schemas.openxmlformats.org/presentationml/2006/main">
+  <p:cSld>
+    <p:spTree>
+      <p:nvGrpSpPr>
+        <p:cNvPr id="1" name=""/>
+        <p:cNvGrpSpPr/>
+        <p:nvPr/>
+      </p:nvGrpSpPr>
+      <p:grpSpPr>
+        <a:xfrm>
+          <a:off x="0" y="0"/>
+          <a:ext cx="0" cy="0"/>
+          <a:chOff x="0" y="0"/>
+          <a:chExt cx="0" cy="0"/>
+        </a:xfrm>
+      </p:grpSpPr>
+      <p:sp>
+        <p:nvSpPr>
+          <p:cNvPr id="2" name="Title 1"/>
+          <p:cNvSpPr>
+            <a:spLocks noGrp="1"/>
+          </p:cNvSpPr>
+          <p:nvPr>
+            <p:ph type="title"/>
+          </p:nvPr>
+        </p:nvSpPr>
+        <p:spPr/>
+        <p:txBody>
+          <a:bodyPr/>
+          <a:lstStyle/>
+          <a:p>
+            <a:r>
+              <a:rPr lang="en-US" dirty="0" smtClean="0"/>
+              <a:t>More on Branches ….</a:t>
+            </a:r>
+            <a:endParaRPr lang="en-US" dirty="0"/>
+          </a:p>
+        </p:txBody>
+      </p:sp>
+      <p:sp>
+        <p:nvSpPr>
+          <p:cNvPr id="3" name="Content Placeholder 2"/>
+          <p:cNvSpPr>
+            <a:spLocks noGrp="1"/>
+          </p:cNvSpPr>
+          <p:nvPr>
+            <p:ph sz="quarter" idx="1"/>
+          </p:nvPr>
+        </p:nvSpPr>
+        <p:spPr/>
+        <p:txBody>
+          <a:bodyPr/>
+          <a:lstStyle/>
+          <a:p>
+            <a:r>
+              <a:rPr lang="en-US" dirty="0" smtClean="0"/>
+              <a:t>$ </a:t>
+            </a:r>
+            <a:r>
+              <a:rPr lang="en-US" dirty="0" err="1" smtClean="0"/>
+              <a:t>git</a:t>
+            </a:r>
+            <a:r>
+              <a:rPr lang="en-US" dirty="0" smtClean="0"/>
+              <a:t> commit –am “I am a new message”</a:t>
+            </a:r>
+          </a:p>
+          <a:p>
+            <a:endParaRPr lang="en-US" dirty="0"/>
+          </a:p>
+        </p:txBody>
+      </p:sp>
+      <p:pic>
+        <p:nvPicPr>
+          <p:cNvPr id="4" name="Picture 3" descr="http://git-scm.com/figures/18333fig0307-tn.png"/>
+          <p:cNvPicPr/>
+          <p:nvPr/>
+        </p:nvPicPr>
+        <p:blipFill>
+          <a:blip r:embed="rId2">
+            <a:extLst>
+              <a:ext uri="{28A0092B-C50C-407E-A947-70E740481C1C}">
+                <a14:useLocalDpi xmlns:a14="http://schemas.microsoft.com/office/drawing/2010/main" val="0"/>
+              </a:ext>
+            </a:extLst>
+          </a:blip>
+          <a:srcRect/>
+          <a:stretch>
+            <a:fillRect/>
+          </a:stretch>
+        </p:blipFill>
+        <p:spPr bwMode="auto">
+          <a:xfrm>
+            <a:off x="1397000" y="2350735"/>
+            <a:ext cx="6350000" cy="2900715"/>
+          </a:xfrm>
+          <a:prstGeom prst="rect">
+            <a:avLst/>
+          </a:prstGeom>
+          <a:noFill/>
+          <a:ln>
+            <a:noFill/>
+          </a:ln>
+        </p:spPr>
+      </p:pic>
+    </p:spTree>
+    <p:extLst>
+      <p:ext uri="{BB962C8B-B14F-4D97-AF65-F5344CB8AC3E}">
+        <p14:creationId xmlns:p14="http://schemas.microsoft.com/office/powerpoint/2010/main" val="1994021982"/>
+      </p:ext>
+    </p:extLst>
+  </p:cSld>
+  <p:clrMapOvr>
+    <a:masterClrMapping/>
+  </p:clrMapOvr>
+</p:sld>
+</file>
+
+<file path=ppt/slides/slide17.xml><?xml version="1.0" encoding="utf-8"?>
+<p:sld xmlns:a="http://schemas.openxmlformats.org/drawingml/2006/main" xmlns:r="http://schemas.openxmlformats.org/officeDocument/2006/relationships" xmlns:p="http://schemas.openxmlformats.org/presentationml/2006/main">
+  <p:cSld>
+    <p:spTree>
+      <p:nvGrpSpPr>
+        <p:cNvPr id="1" name=""/>
+        <p:cNvGrpSpPr/>
+        <p:nvPr/>
+      </p:nvGrpSpPr>
+      <p:grpSpPr>
+        <a:xfrm>
+          <a:off x="0" y="0"/>
+          <a:ext cx="0" cy="0"/>
+          <a:chOff x="0" y="0"/>
+          <a:chExt cx="0" cy="0"/>
+        </a:xfrm>
+      </p:grpSpPr>
+      <p:sp>
+        <p:nvSpPr>
+          <p:cNvPr id="2" name="Title 1"/>
+          <p:cNvSpPr>
+            <a:spLocks noGrp="1"/>
+          </p:cNvSpPr>
+          <p:nvPr>
+            <p:ph type="title"/>
+          </p:nvPr>
+        </p:nvSpPr>
+        <p:spPr/>
+        <p:txBody>
+          <a:bodyPr/>
+          <a:lstStyle/>
+          <a:p>
+            <a:r>
+              <a:rPr lang="en-US" dirty="0" smtClean="0"/>
+              <a:t>More on Branches..</a:t>
+            </a:r>
+            <a:endParaRPr lang="en-US" dirty="0"/>
+          </a:p>
+        </p:txBody>
+      </p:sp>
+      <p:sp>
+        <p:nvSpPr>
+          <p:cNvPr id="3" name="Content Placeholder 2"/>
+          <p:cNvSpPr>
+            <a:spLocks noGrp="1"/>
+          </p:cNvSpPr>
+          <p:nvPr>
+            <p:ph sz="quarter" idx="1"/>
+          </p:nvPr>
+        </p:nvSpPr>
+        <p:spPr>
+          <a:xfrm>
+            <a:off x="914400" y="1447799"/>
+            <a:ext cx="7772400" cy="5145067"/>
+          </a:xfrm>
+        </p:spPr>
+        <p:txBody>
+          <a:bodyPr/>
+          <a:lstStyle/>
+          <a:p>
+            <a:r>
+              <a:rPr lang="en-US" dirty="0" smtClean="0"/>
+              <a:t>$</a:t>
+            </a:r>
+            <a:r>
+              <a:rPr lang="en-US" dirty="0" err="1" smtClean="0"/>
+              <a:t>git</a:t>
+            </a:r>
+            <a:r>
+              <a:rPr lang="en-US" dirty="0" smtClean="0"/>
+              <a:t> checkout master</a:t>
+            </a:r>
+          </a:p>
+          <a:p>
+            <a:r>
+              <a:rPr lang="en-US" dirty="0" smtClean="0"/>
+              <a:t>-- Moved the HEAD pointer back to master </a:t>
+            </a:r>
+          </a:p>
+          <a:p>
+            <a:r>
+              <a:rPr lang="en-US" dirty="0" smtClean="0"/>
+              <a:t>-- Reverted the files in your working directory back to the snapshot  that Master points to. 	</a:t>
+            </a:r>
+          </a:p>
+          <a:p>
+            <a:endParaRPr lang="en-US" dirty="0"/>
+          </a:p>
+        </p:txBody>
+      </p:sp>
+      <p:pic>
+        <p:nvPicPr>
+          <p:cNvPr id="4" name="Picture 3" descr="http://git-scm.com/figures/18333fig0308-tn.png"/>
+          <p:cNvPicPr/>
+          <p:nvPr/>
+        </p:nvPicPr>
+        <p:blipFill>
+          <a:blip r:embed="rId2">
+            <a:extLst>
+              <a:ext uri="{28A0092B-C50C-407E-A947-70E740481C1C}">
+                <a14:useLocalDpi xmlns:a14="http://schemas.microsoft.com/office/drawing/2010/main" val="0"/>
+              </a:ext>
+            </a:extLst>
+          </a:blip>
+          <a:srcRect/>
+          <a:stretch>
+            <a:fillRect/>
+          </a:stretch>
+        </p:blipFill>
+        <p:spPr bwMode="auto">
+          <a:xfrm>
+            <a:off x="1397000" y="3445041"/>
+            <a:ext cx="6350000" cy="2887205"/>
+          </a:xfrm>
+          <a:prstGeom prst="rect">
+            <a:avLst/>
+          </a:prstGeom>
+          <a:noFill/>
+          <a:ln>
+            <a:noFill/>
+          </a:ln>
+        </p:spPr>
+      </p:pic>
+    </p:spTree>
+    <p:extLst>
+      <p:ext uri="{BB962C8B-B14F-4D97-AF65-F5344CB8AC3E}">
+        <p14:creationId xmlns:p14="http://schemas.microsoft.com/office/powerpoint/2010/main" val="1230927426"/>
+      </p:ext>
+    </p:extLst>
+  </p:cSld>
+  <p:clrMapOvr>
+    <a:masterClrMapping/>
+  </p:clrMapOvr>
+</p:sld>
+</file>
+
+<file path=ppt/slides/slide18.xml><?xml version="1.0" encoding="utf-8"?>
+<p:sld xmlns:a="http://schemas.openxmlformats.org/drawingml/2006/main" xmlns:r="http://schemas.openxmlformats.org/officeDocument/2006/relationships" xmlns:p="http://schemas.openxmlformats.org/presentationml/2006/main">
+  <p:cSld>
+    <p:spTree>
+      <p:nvGrpSpPr>
+        <p:cNvPr id="1" name=""/>
+        <p:cNvGrpSpPr/>
+        <p:nvPr/>
+      </p:nvGrpSpPr>
+      <p:grpSpPr>
+        <a:xfrm>
+          <a:off x="0" y="0"/>
+          <a:ext cx="0" cy="0"/>
+          <a:chOff x="0" y="0"/>
+          <a:chExt cx="0" cy="0"/>
+        </a:xfrm>
+      </p:grpSpPr>
+      <p:sp>
+        <p:nvSpPr>
+          <p:cNvPr id="2" name="Title 1"/>
+          <p:cNvSpPr>
+            <a:spLocks noGrp="1"/>
+          </p:cNvSpPr>
+          <p:nvPr>
+            <p:ph type="title"/>
+          </p:nvPr>
+        </p:nvSpPr>
+        <p:spPr/>
+        <p:txBody>
+          <a:bodyPr/>
+          <a:lstStyle/>
+          <a:p>
+            <a:r>
+              <a:rPr lang="en-US" dirty="0" smtClean="0"/>
+              <a:t>More on Branches…</a:t>
+            </a:r>
+            <a:endParaRPr lang="en-US" dirty="0"/>
+          </a:p>
+        </p:txBody>
+      </p:sp>
+      <p:sp>
+        <p:nvSpPr>
+          <p:cNvPr id="3" name="Content Placeholder 2"/>
+          <p:cNvSpPr>
+            <a:spLocks noGrp="1"/>
+          </p:cNvSpPr>
+          <p:nvPr>
+            <p:ph sz="quarter" idx="1"/>
+          </p:nvPr>
+        </p:nvSpPr>
+        <p:spPr>
+          <a:xfrm>
+            <a:off x="914400" y="1675236"/>
+            <a:ext cx="7772400" cy="4344563"/>
+          </a:xfrm>
+        </p:spPr>
+        <p:txBody>
+          <a:bodyPr>
+            <a:normAutofit lnSpcReduction="10000"/>
+          </a:bodyPr>
+          <a:lstStyle/>
+          <a:p>
+            <a:r>
+              <a:rPr lang="en-US" dirty="0" smtClean="0"/>
+              <a:t>Create a branch and switch to the branch</a:t>
+            </a:r>
+          </a:p>
+          <a:p>
+            <a:pPr marL="0" indent="0">
+              <a:buNone/>
+            </a:pPr>
+            <a:r>
+              <a:rPr lang="en-US" dirty="0" smtClean="0"/>
+              <a:t>	$</a:t>
+            </a:r>
+            <a:r>
+              <a:rPr lang="en-US" dirty="0" err="1" smtClean="0"/>
+              <a:t>git</a:t>
+            </a:r>
+            <a:r>
+              <a:rPr lang="en-US" dirty="0" smtClean="0"/>
+              <a:t> checkout –b my-branch-name</a:t>
+            </a:r>
+          </a:p>
+          <a:p>
+            <a:r>
+              <a:rPr lang="en-US" dirty="0" smtClean="0"/>
+              <a:t>If you have uncommitted changes in your branch and if you want to switch branches GIT wont let u switch branches</a:t>
+            </a:r>
+          </a:p>
+          <a:p>
+            <a:r>
+              <a:rPr lang="en-US" dirty="0" smtClean="0"/>
+              <a:t>In which case you can temporarily stash or make a WIP commit</a:t>
+            </a:r>
+          </a:p>
+          <a:p>
+            <a:r>
+              <a:rPr lang="en-US" dirty="0" smtClean="0"/>
+              <a:t>Listing all the existing branches</a:t>
+            </a:r>
+          </a:p>
+          <a:p>
+            <a:pPr marL="0" indent="0">
+              <a:buNone/>
+            </a:pPr>
+            <a:r>
+              <a:rPr lang="en-US" dirty="0" smtClean="0"/>
+              <a:t>	$</a:t>
+            </a:r>
+            <a:r>
+              <a:rPr lang="en-US" dirty="0" err="1" smtClean="0"/>
+              <a:t>git</a:t>
+            </a:r>
+            <a:r>
+              <a:rPr lang="en-US" dirty="0" smtClean="0"/>
+              <a:t> branc</a:t>
+            </a:r>
+            <a:r>
+              <a:rPr lang="en-US" dirty="0"/>
+              <a:t>h</a:t>
+            </a:r>
+            <a:endParaRPr lang="en-US" dirty="0" smtClean="0"/>
+          </a:p>
+          <a:p>
+            <a:r>
+              <a:rPr lang="en-US" dirty="0" smtClean="0"/>
+              <a:t>Deleing a branch</a:t>
+            </a:r>
+          </a:p>
+          <a:p>
+            <a:pPr marL="0" indent="0">
+              <a:buNone/>
+            </a:pPr>
+            <a:r>
+              <a:rPr lang="en-US" dirty="0" smtClean="0"/>
+              <a:t>	$</a:t>
+            </a:r>
+            <a:r>
+              <a:rPr lang="en-US" dirty="0" err="1" smtClean="0"/>
+              <a:t>git</a:t>
+            </a:r>
+            <a:r>
+              <a:rPr lang="en-US" dirty="0" smtClean="0"/>
+              <a:t> branch –d my-branch-name</a:t>
+            </a:r>
+          </a:p>
+          <a:p>
+            <a:pPr marL="0" indent="0">
+              <a:buNone/>
+            </a:pPr>
+            <a:endParaRPr lang="en-US" dirty="0" smtClean="0"/>
+          </a:p>
+          <a:p>
+            <a:endParaRPr lang="en-US" dirty="0"/>
+          </a:p>
+        </p:txBody>
+      </p:sp>
+    </p:spTree>
+    <p:extLst>
+      <p:ext uri="{BB962C8B-B14F-4D97-AF65-F5344CB8AC3E}">
+        <p14:creationId xmlns:p14="http://schemas.microsoft.com/office/powerpoint/2010/main" val="162740389"/>
+      </p:ext>
+    </p:extLst>
+  </p:cSld>
+  <p:clrMapOvr>
+    <a:masterClrMapping/>
+  </p:clrMapOvr>
+</p:sld>
+</file>
+
+<file path=ppt/slides/slide19.xml><?xml version="1.0" encoding="utf-8"?>
+<p:sld xmlns:a="http://schemas.openxmlformats.org/drawingml/2006/main" xmlns:r="http://schemas.openxmlformats.org/officeDocument/2006/relationships" xmlns:p="http://schemas.openxmlformats.org/presentationml/2006/main">
+  <p:cSld>
+    <p:spTree>
+      <p:nvGrpSpPr>
+        <p:cNvPr id="1" name=""/>
+        <p:cNvGrpSpPr/>
+        <p:nvPr/>
+      </p:nvGrpSpPr>
+      <p:grpSpPr>
+        <a:xfrm>
+          <a:off x="0" y="0"/>
+          <a:ext cx="0" cy="0"/>
+          <a:chOff x="0" y="0"/>
+          <a:chExt cx="0" cy="0"/>
+        </a:xfrm>
+      </p:grpSpPr>
+      <p:sp>
+        <p:nvSpPr>
+          <p:cNvPr id="2" name="Title 1"/>
+          <p:cNvSpPr>
+            <a:spLocks noGrp="1"/>
+          </p:cNvSpPr>
+          <p:nvPr>
+            <p:ph type="title"/>
+          </p:nvPr>
+        </p:nvSpPr>
+        <p:spPr>
+          <a:xfrm>
+            <a:off x="914400" y="274638"/>
+            <a:ext cx="7772400" cy="468411"/>
+          </a:xfrm>
+        </p:spPr>
+        <p:txBody>
+          <a:bodyPr>
+            <a:normAutofit fontScale="90000"/>
+          </a:bodyPr>
+          <a:lstStyle/>
+          <a:p>
+            <a:r>
+              <a:rPr lang="en-US" dirty="0" smtClean="0"/>
+              <a:t>Merging</a:t>
+            </a:r>
+            <a:endParaRPr lang="en-US" dirty="0"/>
+          </a:p>
+        </p:txBody>
+      </p:sp>
+      <p:sp>
+        <p:nvSpPr>
+          <p:cNvPr id="3" name="Content Placeholder 2"/>
+          <p:cNvSpPr>
+            <a:spLocks noGrp="1"/>
+          </p:cNvSpPr>
+          <p:nvPr>
+            <p:ph sz="quarter" idx="1"/>
+          </p:nvPr>
+        </p:nvSpPr>
+        <p:spPr>
+          <a:xfrm>
+            <a:off x="914400" y="878148"/>
+            <a:ext cx="7772400" cy="5141652"/>
+          </a:xfrm>
+        </p:spPr>
+        <p:txBody>
+          <a:bodyPr/>
+          <a:lstStyle/>
+          <a:p>
+            <a:r>
+              <a:rPr lang="en-US" dirty="0"/>
+              <a:t>$</a:t>
+            </a:r>
+            <a:r>
+              <a:rPr lang="en-US" dirty="0" err="1"/>
+              <a:t>git</a:t>
+            </a:r>
+            <a:r>
+              <a:rPr lang="en-US" dirty="0"/>
+              <a:t> checkout master</a:t>
+            </a:r>
+          </a:p>
+          <a:p>
+            <a:r>
+              <a:rPr lang="en-US" dirty="0"/>
+              <a:t>$</a:t>
+            </a:r>
+            <a:r>
+              <a:rPr lang="en-US" dirty="0" err="1"/>
+              <a:t>git</a:t>
+            </a:r>
+            <a:r>
+              <a:rPr lang="en-US" dirty="0"/>
+              <a:t> merge </a:t>
+            </a:r>
+            <a:r>
+              <a:rPr lang="en-US" dirty="0" smtClean="0"/>
+              <a:t>hotfix</a:t>
+            </a:r>
+          </a:p>
+          <a:p>
+            <a:r>
+              <a:rPr lang="en-US" dirty="0" smtClean="0">
+                <a:solidFill>
+                  <a:srgbClr val="008000"/>
+                </a:solidFill>
+              </a:rPr>
+              <a:t>If the commit pointed to by the branch you merged in was directly upstream of the commit </a:t>
+            </a:r>
+            <a:r>
+              <a:rPr lang="en-US" dirty="0" err="1" smtClean="0">
+                <a:solidFill>
+                  <a:srgbClr val="008000"/>
+                </a:solidFill>
+              </a:rPr>
+              <a:t>you’r</a:t>
+            </a:r>
+            <a:r>
+              <a:rPr lang="en-US" dirty="0" smtClean="0">
+                <a:solidFill>
+                  <a:srgbClr val="008000"/>
+                </a:solidFill>
+              </a:rPr>
+              <a:t> on, </a:t>
+            </a:r>
+            <a:r>
+              <a:rPr lang="en-US" dirty="0" err="1" smtClean="0">
+                <a:solidFill>
+                  <a:srgbClr val="008000"/>
+                </a:solidFill>
+              </a:rPr>
+              <a:t>git</a:t>
+            </a:r>
+            <a:r>
+              <a:rPr lang="en-US" dirty="0" smtClean="0">
+                <a:solidFill>
+                  <a:srgbClr val="008000"/>
+                </a:solidFill>
+              </a:rPr>
+              <a:t> just moves the pointer forward. Hence you  see “Fast forward”   </a:t>
+            </a:r>
+          </a:p>
+          <a:p>
+            <a:endParaRPr lang="en-US" dirty="0"/>
+          </a:p>
+        </p:txBody>
+      </p:sp>
+      <p:pic>
+        <p:nvPicPr>
+          <p:cNvPr id="4" name="Picture 3" descr="http://git-scm.com/figures/18333fig0313-tn.png"/>
+          <p:cNvPicPr/>
+          <p:nvPr/>
+        </p:nvPicPr>
+        <p:blipFill>
+          <a:blip r:embed="rId2">
+            <a:extLst>
+              <a:ext uri="{28A0092B-C50C-407E-A947-70E740481C1C}">
+                <a14:useLocalDpi xmlns:a14="http://schemas.microsoft.com/office/drawing/2010/main" val="0"/>
+              </a:ext>
+            </a:extLst>
+          </a:blip>
+          <a:srcRect/>
+          <a:stretch>
+            <a:fillRect/>
+          </a:stretch>
+        </p:blipFill>
+        <p:spPr bwMode="auto">
+          <a:xfrm>
+            <a:off x="2124242" y="3644900"/>
+            <a:ext cx="4428901" cy="2583198"/>
+          </a:xfrm>
+          <a:prstGeom prst="rect">
+            <a:avLst/>
+          </a:prstGeom>
+          <a:noFill/>
+          <a:ln>
+            <a:noFill/>
+          </a:ln>
+        </p:spPr>
+      </p:pic>
+    </p:spTree>
+    <p:extLst>
+      <p:ext uri="{BB962C8B-B14F-4D97-AF65-F5344CB8AC3E}">
+        <p14:creationId xmlns:p14="http://schemas.microsoft.com/office/powerpoint/2010/main" val="1009187238"/>
+      </p:ext>
+    </p:extLst>
+  </p:cSld>
+  <p:clrMapOvr>
+    <a:masterClrMapping/>
+  </p:clrMapOvr>
 </p:sld>
 </file>
 
@@ -4770,6 +6162,932 @@
             <a:r>
               <a:rPr lang="en-US" dirty="0" smtClean="0"/>
               <a:t>  Other alternatives : CVS, Perforce, SCM. </a:t>
+            </a:r>
+            <a:endParaRPr lang="en-US" dirty="0"/>
+          </a:p>
+        </p:txBody>
+      </p:sp>
+    </p:spTree>
+  </p:cSld>
+  <p:clrMapOvr>
+    <a:masterClrMapping/>
+  </p:clrMapOvr>
+  <p:timing>
+    <p:tnLst>
+      <p:par>
+        <p:cTn xmlns:p14="http://schemas.microsoft.com/office/powerpoint/2010/main" id="1" dur="indefinite" restart="never" nodeType="tmRoot"/>
+      </p:par>
+    </p:tnLst>
+  </p:timing>
+</p:sld>
+</file>
+
+<file path=ppt/slides/slide20.xml><?xml version="1.0" encoding="utf-8"?>
+<p:sld xmlns:a="http://schemas.openxmlformats.org/drawingml/2006/main" xmlns:r="http://schemas.openxmlformats.org/officeDocument/2006/relationships" xmlns:p="http://schemas.openxmlformats.org/presentationml/2006/main">
+  <p:cSld>
+    <p:spTree>
+      <p:nvGrpSpPr>
+        <p:cNvPr id="1" name=""/>
+        <p:cNvGrpSpPr/>
+        <p:nvPr/>
+      </p:nvGrpSpPr>
+      <p:grpSpPr>
+        <a:xfrm>
+          <a:off x="0" y="0"/>
+          <a:ext cx="0" cy="0"/>
+          <a:chOff x="0" y="0"/>
+          <a:chExt cx="0" cy="0"/>
+        </a:xfrm>
+      </p:grpSpPr>
+      <p:sp>
+        <p:nvSpPr>
+          <p:cNvPr id="2" name="Title 1"/>
+          <p:cNvSpPr>
+            <a:spLocks noGrp="1"/>
+          </p:cNvSpPr>
+          <p:nvPr>
+            <p:ph type="title"/>
+          </p:nvPr>
+        </p:nvSpPr>
+        <p:spPr/>
+        <p:txBody>
+          <a:bodyPr/>
+          <a:lstStyle/>
+          <a:p>
+            <a:r>
+              <a:rPr lang="en-US" dirty="0" smtClean="0"/>
+              <a:t>More Merging</a:t>
+            </a:r>
+            <a:endParaRPr lang="en-US" dirty="0"/>
+          </a:p>
+        </p:txBody>
+      </p:sp>
+      <p:sp>
+        <p:nvSpPr>
+          <p:cNvPr id="3" name="Content Placeholder 2"/>
+          <p:cNvSpPr>
+            <a:spLocks noGrp="1"/>
+          </p:cNvSpPr>
+          <p:nvPr>
+            <p:ph sz="quarter" idx="1"/>
+          </p:nvPr>
+        </p:nvSpPr>
+        <p:spPr/>
+        <p:txBody>
+          <a:bodyPr/>
+          <a:lstStyle/>
+          <a:p>
+            <a:r>
+              <a:rPr lang="en-US" dirty="0" smtClean="0"/>
+              <a:t>But if your development history has diverged and you are merging onto a branch which is not a direct ancestor then GIT does a 3-way merge instead of just moving the branch pointer </a:t>
+            </a:r>
+            <a:r>
+              <a:rPr lang="en-US" dirty="0" err="1" smtClean="0"/>
+              <a:t>forward.It</a:t>
+            </a:r>
+            <a:r>
+              <a:rPr lang="en-US" dirty="0" smtClean="0"/>
+              <a:t> creates a snapshot that results from the 3-way merge</a:t>
+            </a:r>
+            <a:endParaRPr lang="en-US" dirty="0"/>
+          </a:p>
+        </p:txBody>
+      </p:sp>
+    </p:spTree>
+    <p:extLst>
+      <p:ext uri="{BB962C8B-B14F-4D97-AF65-F5344CB8AC3E}">
+        <p14:creationId xmlns:p14="http://schemas.microsoft.com/office/powerpoint/2010/main" val="703175847"/>
+      </p:ext>
+    </p:extLst>
+  </p:cSld>
+  <p:clrMapOvr>
+    <a:masterClrMapping/>
+  </p:clrMapOvr>
+</p:sld>
+</file>
+
+<file path=ppt/slides/slide21.xml><?xml version="1.0" encoding="utf-8"?>
+<p:sld xmlns:a="http://schemas.openxmlformats.org/drawingml/2006/main" xmlns:r="http://schemas.openxmlformats.org/officeDocument/2006/relationships" xmlns:p="http://schemas.openxmlformats.org/presentationml/2006/main">
+  <p:cSld>
+    <p:spTree>
+      <p:nvGrpSpPr>
+        <p:cNvPr id="1" name=""/>
+        <p:cNvGrpSpPr/>
+        <p:nvPr/>
+      </p:nvGrpSpPr>
+      <p:grpSpPr>
+        <a:xfrm>
+          <a:off x="0" y="0"/>
+          <a:ext cx="0" cy="0"/>
+          <a:chOff x="0" y="0"/>
+          <a:chExt cx="0" cy="0"/>
+        </a:xfrm>
+      </p:grpSpPr>
+      <p:sp>
+        <p:nvSpPr>
+          <p:cNvPr id="2" name="Title 1"/>
+          <p:cNvSpPr>
+            <a:spLocks noGrp="1"/>
+          </p:cNvSpPr>
+          <p:nvPr>
+            <p:ph type="title"/>
+          </p:nvPr>
+        </p:nvSpPr>
+        <p:spPr/>
+        <p:txBody>
+          <a:bodyPr/>
+          <a:lstStyle/>
+          <a:p>
+            <a:r>
+              <a:rPr lang="en-US" dirty="0" smtClean="0"/>
+              <a:t>Remote branches..</a:t>
+            </a:r>
+            <a:endParaRPr lang="en-US" dirty="0"/>
+          </a:p>
+        </p:txBody>
+      </p:sp>
+      <p:sp>
+        <p:nvSpPr>
+          <p:cNvPr id="3" name="Content Placeholder 2"/>
+          <p:cNvSpPr>
+            <a:spLocks noGrp="1"/>
+          </p:cNvSpPr>
+          <p:nvPr>
+            <p:ph sz="quarter" idx="1"/>
+          </p:nvPr>
+        </p:nvSpPr>
+        <p:spPr/>
+        <p:txBody>
+          <a:bodyPr/>
+          <a:lstStyle/>
+          <a:p>
+            <a:r>
+              <a:rPr lang="en-US" dirty="0" smtClean="0"/>
+              <a:t>They are references to the state of branch on your remote repository</a:t>
+            </a:r>
+          </a:p>
+          <a:p>
+            <a:r>
+              <a:rPr lang="en-US" dirty="0" smtClean="0"/>
+              <a:t>Origin – it</a:t>
+            </a:r>
+            <a:r>
+              <a:rPr lang="fr-FR" dirty="0" smtClean="0"/>
+              <a:t>’</a:t>
+            </a:r>
+            <a:r>
+              <a:rPr lang="en-US" dirty="0" smtClean="0"/>
+              <a:t>s the remote repository you cloned from </a:t>
+            </a:r>
+          </a:p>
+          <a:p>
+            <a:r>
+              <a:rPr lang="en-US" dirty="0" smtClean="0"/>
+              <a:t>When you first create a </a:t>
+            </a:r>
+            <a:r>
+              <a:rPr lang="en-US" dirty="0" err="1" smtClean="0"/>
+              <a:t>Github</a:t>
+            </a:r>
+            <a:r>
+              <a:rPr lang="en-US" dirty="0" smtClean="0"/>
+              <a:t> repository you do </a:t>
+            </a:r>
+          </a:p>
+          <a:p>
+            <a:pPr marL="0" indent="0">
+              <a:buNone/>
+            </a:pPr>
+            <a:r>
+              <a:rPr lang="en-US" dirty="0" smtClean="0"/>
+              <a:t>$</a:t>
+            </a:r>
+            <a:r>
+              <a:rPr lang="en-US" dirty="0" err="1" smtClean="0"/>
+              <a:t>git</a:t>
+            </a:r>
+            <a:r>
+              <a:rPr lang="en-US" dirty="0" smtClean="0"/>
+              <a:t> remote add origin </a:t>
+            </a:r>
+            <a:r>
+              <a:rPr lang="en-US" dirty="0" smtClean="0">
+                <a:hlinkClick r:id="rId2"/>
+              </a:rPr>
+              <a:t>https://github.com/sowjumn/mytest.git</a:t>
+            </a:r>
+            <a:endParaRPr lang="en-US" dirty="0" smtClean="0"/>
+          </a:p>
+          <a:p>
+            <a:pPr marL="0" indent="0">
+              <a:buNone/>
+            </a:pPr>
+            <a:endParaRPr lang="en-US" dirty="0"/>
+          </a:p>
+          <a:p>
+            <a:pPr marL="0" indent="0">
+              <a:buNone/>
+            </a:pPr>
+            <a:r>
+              <a:rPr lang="en-US" dirty="0" smtClean="0"/>
+              <a:t>$</a:t>
+            </a:r>
+            <a:r>
+              <a:rPr lang="en-US" dirty="0" err="1" smtClean="0"/>
+              <a:t>git</a:t>
+            </a:r>
+            <a:r>
+              <a:rPr lang="en-US" dirty="0" smtClean="0"/>
+              <a:t> push origin master</a:t>
+            </a:r>
+            <a:endParaRPr lang="en-US" dirty="0"/>
+          </a:p>
+        </p:txBody>
+      </p:sp>
+    </p:spTree>
+    <p:extLst>
+      <p:ext uri="{BB962C8B-B14F-4D97-AF65-F5344CB8AC3E}">
+        <p14:creationId xmlns:p14="http://schemas.microsoft.com/office/powerpoint/2010/main" val="2317846405"/>
+      </p:ext>
+    </p:extLst>
+  </p:cSld>
+  <p:clrMapOvr>
+    <a:masterClrMapping/>
+  </p:clrMapOvr>
+</p:sld>
+</file>
+
+<file path=ppt/slides/slide22.xml><?xml version="1.0" encoding="utf-8"?>
+<p:sld xmlns:a="http://schemas.openxmlformats.org/drawingml/2006/main" xmlns:r="http://schemas.openxmlformats.org/officeDocument/2006/relationships" xmlns:p="http://schemas.openxmlformats.org/presentationml/2006/main">
+  <p:cSld>
+    <p:spTree>
+      <p:nvGrpSpPr>
+        <p:cNvPr id="1" name=""/>
+        <p:cNvGrpSpPr/>
+        <p:nvPr/>
+      </p:nvGrpSpPr>
+      <p:grpSpPr>
+        <a:xfrm>
+          <a:off x="0" y="0"/>
+          <a:ext cx="0" cy="0"/>
+          <a:chOff x="0" y="0"/>
+          <a:chExt cx="0" cy="0"/>
+        </a:xfrm>
+      </p:grpSpPr>
+      <p:sp>
+        <p:nvSpPr>
+          <p:cNvPr id="2" name="Title 1"/>
+          <p:cNvSpPr>
+            <a:spLocks noGrp="1"/>
+          </p:cNvSpPr>
+          <p:nvPr>
+            <p:ph type="title"/>
+          </p:nvPr>
+        </p:nvSpPr>
+        <p:spPr/>
+        <p:txBody>
+          <a:bodyPr/>
+          <a:lstStyle/>
+          <a:p>
+            <a:r>
+              <a:rPr lang="en-US" dirty="0" smtClean="0"/>
+              <a:t>More on remote branches</a:t>
+            </a:r>
+            <a:endParaRPr lang="en-US" dirty="0"/>
+          </a:p>
+        </p:txBody>
+      </p:sp>
+      <p:sp>
+        <p:nvSpPr>
+          <p:cNvPr id="3" name="Content Placeholder 2"/>
+          <p:cNvSpPr>
+            <a:spLocks noGrp="1"/>
+          </p:cNvSpPr>
+          <p:nvPr>
+            <p:ph sz="quarter" idx="1"/>
+          </p:nvPr>
+        </p:nvSpPr>
+        <p:spPr/>
+        <p:txBody>
+          <a:bodyPr/>
+          <a:lstStyle/>
+          <a:p>
+            <a:r>
+              <a:rPr lang="en-US" dirty="0" smtClean="0"/>
+              <a:t>Pushing to a remote branch</a:t>
+            </a:r>
+          </a:p>
+          <a:p>
+            <a:pPr marL="0" indent="0">
+              <a:buNone/>
+            </a:pPr>
+            <a:r>
+              <a:rPr lang="en-US" dirty="0" smtClean="0"/>
+              <a:t>	$</a:t>
+            </a:r>
+            <a:r>
+              <a:rPr lang="en-US" dirty="0" err="1" smtClean="0"/>
+              <a:t>git</a:t>
+            </a:r>
+            <a:r>
+              <a:rPr lang="en-US" dirty="0" smtClean="0"/>
+              <a:t> push origin </a:t>
+            </a:r>
+            <a:r>
+              <a:rPr lang="en-US" dirty="0" err="1" smtClean="0"/>
+              <a:t>my_branch</a:t>
+            </a:r>
+            <a:endParaRPr lang="en-US" dirty="0" smtClean="0"/>
+          </a:p>
+          <a:p>
+            <a:r>
+              <a:rPr lang="en-US" dirty="0" smtClean="0"/>
+              <a:t>So your pair can do a </a:t>
+            </a:r>
+            <a:r>
+              <a:rPr lang="en-US" dirty="0" err="1" smtClean="0"/>
+              <a:t>git</a:t>
+            </a:r>
+            <a:r>
+              <a:rPr lang="en-US" dirty="0" smtClean="0"/>
+              <a:t> fetch to get that that reference</a:t>
+            </a:r>
+          </a:p>
+          <a:p>
+            <a:pPr marL="0" indent="0">
+              <a:buNone/>
+            </a:pPr>
+            <a:r>
+              <a:rPr lang="en-US" dirty="0" smtClean="0"/>
+              <a:t>	$</a:t>
+            </a:r>
+            <a:r>
+              <a:rPr lang="en-US" dirty="0" err="1"/>
+              <a:t>git</a:t>
+            </a:r>
+            <a:r>
+              <a:rPr lang="en-US" dirty="0"/>
+              <a:t> fetch origin</a:t>
+            </a:r>
+          </a:p>
+          <a:p>
+            <a:endParaRPr lang="en-US" dirty="0" smtClean="0"/>
+          </a:p>
+          <a:p>
+            <a:r>
+              <a:rPr lang="en-US" dirty="0" smtClean="0"/>
+              <a:t>To checkout a remote branch origin/</a:t>
+            </a:r>
+            <a:r>
+              <a:rPr lang="en-US" dirty="0" err="1" smtClean="0"/>
+              <a:t>my_branch</a:t>
+            </a:r>
+            <a:endParaRPr lang="en-US" dirty="0" smtClean="0"/>
+          </a:p>
+          <a:p>
+            <a:pPr marL="0" indent="0">
+              <a:buNone/>
+            </a:pPr>
+            <a:r>
+              <a:rPr lang="en-US" dirty="0" smtClean="0"/>
+              <a:t>	$</a:t>
+            </a:r>
+            <a:r>
+              <a:rPr lang="en-US" dirty="0" err="1" smtClean="0"/>
+              <a:t>git</a:t>
+            </a:r>
+            <a:r>
+              <a:rPr lang="en-US" dirty="0" smtClean="0"/>
+              <a:t> checkout –b </a:t>
+            </a:r>
+            <a:r>
+              <a:rPr lang="en-US" dirty="0" err="1" smtClean="0"/>
+              <a:t>my_branch_name</a:t>
+            </a:r>
+            <a:r>
+              <a:rPr lang="en-US" dirty="0" smtClean="0"/>
+              <a:t> origin/</a:t>
+            </a:r>
+            <a:r>
+              <a:rPr lang="en-US" dirty="0" err="1" smtClean="0"/>
+              <a:t>my_branch</a:t>
+            </a:r>
+            <a:endParaRPr lang="en-US" dirty="0" smtClean="0"/>
+          </a:p>
+          <a:p>
+            <a:pPr marL="0" indent="0">
+              <a:buNone/>
+            </a:pPr>
+            <a:r>
+              <a:rPr lang="en-US" dirty="0" smtClean="0"/>
+              <a:t>	</a:t>
+            </a:r>
+            <a:endParaRPr lang="en-US" dirty="0"/>
+          </a:p>
+        </p:txBody>
+      </p:sp>
+    </p:spTree>
+    <p:extLst>
+      <p:ext uri="{BB962C8B-B14F-4D97-AF65-F5344CB8AC3E}">
+        <p14:creationId xmlns:p14="http://schemas.microsoft.com/office/powerpoint/2010/main" val="4067788939"/>
+      </p:ext>
+    </p:extLst>
+  </p:cSld>
+  <p:clrMapOvr>
+    <a:masterClrMapping/>
+  </p:clrMapOvr>
+</p:sld>
+</file>
+
+<file path=ppt/slides/slide23.xml><?xml version="1.0" encoding="utf-8"?>
+<p:sld xmlns:a="http://schemas.openxmlformats.org/drawingml/2006/main" xmlns:r="http://schemas.openxmlformats.org/officeDocument/2006/relationships" xmlns:p="http://schemas.openxmlformats.org/presentationml/2006/main">
+  <p:cSld>
+    <p:spTree>
+      <p:nvGrpSpPr>
+        <p:cNvPr id="1" name=""/>
+        <p:cNvGrpSpPr/>
+        <p:nvPr/>
+      </p:nvGrpSpPr>
+      <p:grpSpPr>
+        <a:xfrm>
+          <a:off x="0" y="0"/>
+          <a:ext cx="0" cy="0"/>
+          <a:chOff x="0" y="0"/>
+          <a:chExt cx="0" cy="0"/>
+        </a:xfrm>
+      </p:grpSpPr>
+      <p:sp>
+        <p:nvSpPr>
+          <p:cNvPr id="2" name="Title 1"/>
+          <p:cNvSpPr>
+            <a:spLocks noGrp="1"/>
+          </p:cNvSpPr>
+          <p:nvPr>
+            <p:ph type="title"/>
+          </p:nvPr>
+        </p:nvSpPr>
+        <p:spPr>
+          <a:xfrm>
+            <a:off x="914400" y="274638"/>
+            <a:ext cx="7772400" cy="522450"/>
+          </a:xfrm>
+        </p:spPr>
+        <p:txBody>
+          <a:bodyPr>
+            <a:normAutofit fontScale="90000"/>
+          </a:bodyPr>
+          <a:lstStyle/>
+          <a:p>
+            <a:r>
+              <a:rPr lang="en-US" dirty="0" smtClean="0"/>
+              <a:t>Rebasing</a:t>
+            </a:r>
+            <a:endParaRPr lang="en-US" dirty="0"/>
+          </a:p>
+        </p:txBody>
+      </p:sp>
+      <p:sp>
+        <p:nvSpPr>
+          <p:cNvPr id="5" name="Content Placeholder 4"/>
+          <p:cNvSpPr>
+            <a:spLocks noGrp="1"/>
+          </p:cNvSpPr>
+          <p:nvPr>
+            <p:ph sz="quarter" idx="1"/>
+          </p:nvPr>
+        </p:nvSpPr>
+        <p:spPr>
+          <a:xfrm>
+            <a:off x="914400" y="797088"/>
+            <a:ext cx="7772400" cy="5222712"/>
+          </a:xfrm>
+        </p:spPr>
+        <p:txBody>
+          <a:bodyPr/>
+          <a:lstStyle/>
+          <a:p>
+            <a:r>
+              <a:rPr lang="en-US" dirty="0" smtClean="0"/>
+              <a:t>$</a:t>
+            </a:r>
+            <a:r>
+              <a:rPr lang="en-US" dirty="0" err="1" smtClean="0"/>
+              <a:t>git</a:t>
+            </a:r>
+            <a:r>
+              <a:rPr lang="en-US" dirty="0" smtClean="0"/>
+              <a:t> checkout experiment</a:t>
+            </a:r>
+          </a:p>
+          <a:p>
+            <a:r>
+              <a:rPr lang="en-US" dirty="0" smtClean="0"/>
+              <a:t>$</a:t>
+            </a:r>
+            <a:r>
+              <a:rPr lang="en-US" dirty="0" err="1" smtClean="0"/>
+              <a:t>git</a:t>
+            </a:r>
+            <a:r>
+              <a:rPr lang="en-US" dirty="0" smtClean="0"/>
+              <a:t> rebase master</a:t>
+            </a:r>
+          </a:p>
+          <a:p>
+            <a:r>
+              <a:rPr lang="en-US" dirty="0" smtClean="0"/>
+              <a:t>It takes the changes introduced in c3 and applies them on top of c4 </a:t>
+            </a:r>
+          </a:p>
+          <a:p>
+            <a:endParaRPr lang="en-US" dirty="0"/>
+          </a:p>
+          <a:p>
+            <a:endParaRPr lang="en-US" dirty="0"/>
+          </a:p>
+        </p:txBody>
+      </p:sp>
+      <p:pic>
+        <p:nvPicPr>
+          <p:cNvPr id="6" name="Picture 5" descr="http://git-scm.com/figures/18333fig0327-tn.png"/>
+          <p:cNvPicPr/>
+          <p:nvPr/>
+        </p:nvPicPr>
+        <p:blipFill>
+          <a:blip r:embed="rId2">
+            <a:extLst>
+              <a:ext uri="{28A0092B-C50C-407E-A947-70E740481C1C}">
+                <a14:useLocalDpi xmlns:a14="http://schemas.microsoft.com/office/drawing/2010/main" val="0"/>
+              </a:ext>
+            </a:extLst>
+          </a:blip>
+          <a:srcRect/>
+          <a:stretch>
+            <a:fillRect/>
+          </a:stretch>
+        </p:blipFill>
+        <p:spPr bwMode="auto">
+          <a:xfrm>
+            <a:off x="3116942" y="2805438"/>
+            <a:ext cx="3937000" cy="3111500"/>
+          </a:xfrm>
+          <a:prstGeom prst="rect">
+            <a:avLst/>
+          </a:prstGeom>
+          <a:noFill/>
+          <a:ln>
+            <a:noFill/>
+          </a:ln>
+        </p:spPr>
+      </p:pic>
+    </p:spTree>
+    <p:extLst>
+      <p:ext uri="{BB962C8B-B14F-4D97-AF65-F5344CB8AC3E}">
+        <p14:creationId xmlns:p14="http://schemas.microsoft.com/office/powerpoint/2010/main" val="747558975"/>
+      </p:ext>
+    </p:extLst>
+  </p:cSld>
+  <p:clrMapOvr>
+    <a:masterClrMapping/>
+  </p:clrMapOvr>
+</p:sld>
+</file>
+
+<file path=ppt/slides/slide24.xml><?xml version="1.0" encoding="utf-8"?>
+<p:sld xmlns:a="http://schemas.openxmlformats.org/drawingml/2006/main" xmlns:r="http://schemas.openxmlformats.org/officeDocument/2006/relationships" xmlns:p="http://schemas.openxmlformats.org/presentationml/2006/main">
+  <p:cSld>
+    <p:spTree>
+      <p:nvGrpSpPr>
+        <p:cNvPr id="1" name=""/>
+        <p:cNvGrpSpPr/>
+        <p:nvPr/>
+      </p:nvGrpSpPr>
+      <p:grpSpPr>
+        <a:xfrm>
+          <a:off x="0" y="0"/>
+          <a:ext cx="0" cy="0"/>
+          <a:chOff x="0" y="0"/>
+          <a:chExt cx="0" cy="0"/>
+        </a:xfrm>
+      </p:grpSpPr>
+      <p:sp>
+        <p:nvSpPr>
+          <p:cNvPr id="2" name="Title 1"/>
+          <p:cNvSpPr>
+            <a:spLocks noGrp="1"/>
+          </p:cNvSpPr>
+          <p:nvPr>
+            <p:ph type="title"/>
+          </p:nvPr>
+        </p:nvSpPr>
+        <p:spPr/>
+        <p:txBody>
+          <a:bodyPr/>
+          <a:lstStyle/>
+          <a:p>
+            <a:r>
+              <a:rPr lang="en-US" dirty="0" smtClean="0"/>
+              <a:t>Rebasing. </a:t>
+            </a:r>
+            <a:endParaRPr lang="en-US" dirty="0"/>
+          </a:p>
+        </p:txBody>
+      </p:sp>
+      <p:sp>
+        <p:nvSpPr>
+          <p:cNvPr id="5" name="Content Placeholder 4"/>
+          <p:cNvSpPr>
+            <a:spLocks noGrp="1"/>
+          </p:cNvSpPr>
+          <p:nvPr>
+            <p:ph sz="quarter" idx="1"/>
+          </p:nvPr>
+        </p:nvSpPr>
+        <p:spPr/>
+        <p:txBody>
+          <a:bodyPr/>
+          <a:lstStyle/>
+          <a:p>
+            <a:endParaRPr lang="en-US" dirty="0" smtClean="0"/>
+          </a:p>
+          <a:p>
+            <a:endParaRPr lang="en-US" dirty="0"/>
+          </a:p>
+          <a:p>
+            <a:endParaRPr lang="en-US" dirty="0"/>
+          </a:p>
+        </p:txBody>
+      </p:sp>
+      <p:pic>
+        <p:nvPicPr>
+          <p:cNvPr id="6" name="Picture 5" descr="http://git-scm.com/figures/18333fig0329-tn.png"/>
+          <p:cNvPicPr/>
+          <p:nvPr/>
+        </p:nvPicPr>
+        <p:blipFill>
+          <a:blip r:embed="rId2">
+            <a:extLst>
+              <a:ext uri="{28A0092B-C50C-407E-A947-70E740481C1C}">
+                <a14:useLocalDpi xmlns:a14="http://schemas.microsoft.com/office/drawing/2010/main" val="0"/>
+              </a:ext>
+            </a:extLst>
+          </a:blip>
+          <a:srcRect/>
+          <a:stretch>
+            <a:fillRect/>
+          </a:stretch>
+        </p:blipFill>
+        <p:spPr bwMode="auto">
+          <a:xfrm>
+            <a:off x="1095639" y="1767891"/>
+            <a:ext cx="4953000" cy="2349500"/>
+          </a:xfrm>
+          <a:prstGeom prst="rect">
+            <a:avLst/>
+          </a:prstGeom>
+          <a:noFill/>
+          <a:ln>
+            <a:noFill/>
+          </a:ln>
+        </p:spPr>
+      </p:pic>
+    </p:spTree>
+    <p:extLst>
+      <p:ext uri="{BB962C8B-B14F-4D97-AF65-F5344CB8AC3E}">
+        <p14:creationId xmlns:p14="http://schemas.microsoft.com/office/powerpoint/2010/main" val="1672957739"/>
+      </p:ext>
+    </p:extLst>
+  </p:cSld>
+  <p:clrMapOvr>
+    <a:masterClrMapping/>
+  </p:clrMapOvr>
+</p:sld>
+</file>
+
+<file path=ppt/slides/slide25.xml><?xml version="1.0" encoding="utf-8"?>
+<p:sld xmlns:a="http://schemas.openxmlformats.org/drawingml/2006/main" xmlns:r="http://schemas.openxmlformats.org/officeDocument/2006/relationships" xmlns:p="http://schemas.openxmlformats.org/presentationml/2006/main">
+  <p:cSld>
+    <p:spTree>
+      <p:nvGrpSpPr>
+        <p:cNvPr id="1" name=""/>
+        <p:cNvGrpSpPr/>
+        <p:nvPr/>
+      </p:nvGrpSpPr>
+      <p:grpSpPr>
+        <a:xfrm>
+          <a:off x="0" y="0"/>
+          <a:ext cx="0" cy="0"/>
+          <a:chOff x="0" y="0"/>
+          <a:chExt cx="0" cy="0"/>
+        </a:xfrm>
+      </p:grpSpPr>
+      <p:sp>
+        <p:nvSpPr>
+          <p:cNvPr id="2" name="Title 1"/>
+          <p:cNvSpPr>
+            <a:spLocks noGrp="1"/>
+          </p:cNvSpPr>
+          <p:nvPr>
+            <p:ph type="title"/>
+          </p:nvPr>
+        </p:nvSpPr>
+        <p:spPr/>
+        <p:txBody>
+          <a:bodyPr/>
+          <a:lstStyle/>
+          <a:p>
+            <a:r>
+              <a:rPr lang="en-US" dirty="0" smtClean="0"/>
+              <a:t>Rebasing</a:t>
+            </a:r>
+            <a:endParaRPr lang="en-US" dirty="0"/>
+          </a:p>
+        </p:txBody>
+      </p:sp>
+      <p:sp>
+        <p:nvSpPr>
+          <p:cNvPr id="3" name="Content Placeholder 2"/>
+          <p:cNvSpPr>
+            <a:spLocks noGrp="1"/>
+          </p:cNvSpPr>
+          <p:nvPr>
+            <p:ph sz="quarter" idx="1"/>
+          </p:nvPr>
+        </p:nvSpPr>
+        <p:spPr/>
+        <p:txBody>
+          <a:bodyPr/>
+          <a:lstStyle/>
+          <a:p>
+            <a:r>
+              <a:rPr lang="en-US" dirty="0" smtClean="0"/>
+              <a:t>$</a:t>
+            </a:r>
+            <a:r>
+              <a:rPr lang="en-US" dirty="0" err="1" smtClean="0"/>
+              <a:t>git</a:t>
+            </a:r>
+            <a:r>
+              <a:rPr lang="en-US" dirty="0" smtClean="0"/>
+              <a:t> checkout master</a:t>
+            </a:r>
+          </a:p>
+          <a:p>
+            <a:r>
+              <a:rPr lang="en-US" dirty="0" smtClean="0"/>
+              <a:t>$</a:t>
+            </a:r>
+            <a:r>
+              <a:rPr lang="en-US" dirty="0" err="1" smtClean="0"/>
+              <a:t>git</a:t>
+            </a:r>
+            <a:r>
+              <a:rPr lang="en-US" dirty="0" smtClean="0"/>
+              <a:t> merge experiment</a:t>
+            </a:r>
+          </a:p>
+          <a:p>
+            <a:endParaRPr lang="en-US" dirty="0"/>
+          </a:p>
+          <a:p>
+            <a:pPr marL="0" indent="0">
+              <a:buNone/>
+            </a:pPr>
+            <a:r>
+              <a:rPr lang="en-US" dirty="0" smtClean="0"/>
+              <a:t>YAY it</a:t>
+            </a:r>
+            <a:r>
+              <a:rPr lang="fr-FR" dirty="0" smtClean="0"/>
+              <a:t>’</a:t>
+            </a:r>
+            <a:r>
+              <a:rPr lang="en-US" dirty="0" smtClean="0"/>
+              <a:t>s a fast forward.</a:t>
+            </a:r>
+          </a:p>
+          <a:p>
+            <a:r>
+              <a:rPr lang="en-US" dirty="0"/>
+              <a:t>More info.. </a:t>
+            </a:r>
+            <a:endParaRPr lang="en-US" dirty="0" smtClean="0"/>
+          </a:p>
+          <a:p>
+            <a:pPr marL="0" indent="0">
+              <a:buNone/>
+            </a:pPr>
+            <a:r>
+              <a:rPr lang="en-US" dirty="0" smtClean="0"/>
+              <a:t>http</a:t>
+            </a:r>
+            <a:r>
+              <a:rPr lang="en-US" dirty="0"/>
+              <a:t>://</a:t>
+            </a:r>
+            <a:r>
+              <a:rPr lang="en-US" dirty="0" err="1"/>
+              <a:t>tech.socialchorus.com</a:t>
+            </a:r>
+            <a:r>
+              <a:rPr lang="en-US" dirty="0"/>
+              <a:t>/2013/06/18/</a:t>
+            </a:r>
+            <a:r>
+              <a:rPr lang="en-US" dirty="0" err="1"/>
+              <a:t>Git</a:t>
+            </a:r>
+            <a:r>
+              <a:rPr lang="en-US" dirty="0"/>
+              <a:t>-Squashing-Best-Practices-</a:t>
+            </a:r>
+            <a:r>
+              <a:rPr lang="en-US" dirty="0" err="1"/>
+              <a:t>Tips.html</a:t>
+            </a:r>
+            <a:endParaRPr lang="en-US" dirty="0"/>
+          </a:p>
+        </p:txBody>
+      </p:sp>
+    </p:spTree>
+    <p:extLst>
+      <p:ext uri="{BB962C8B-B14F-4D97-AF65-F5344CB8AC3E}">
+        <p14:creationId xmlns:p14="http://schemas.microsoft.com/office/powerpoint/2010/main" val="491725306"/>
+      </p:ext>
+    </p:extLst>
+  </p:cSld>
+  <p:clrMapOvr>
+    <a:masterClrMapping/>
+  </p:clrMapOvr>
+</p:sld>
+</file>
+
+<file path=ppt/slides/slide26.xml><?xml version="1.0" encoding="utf-8"?>
+<p:sld xmlns:a="http://schemas.openxmlformats.org/drawingml/2006/main" xmlns:r="http://schemas.openxmlformats.org/officeDocument/2006/relationships" xmlns:p="http://schemas.openxmlformats.org/presentationml/2006/main">
+  <p:cSld>
+    <p:spTree>
+      <p:nvGrpSpPr>
+        <p:cNvPr id="1" name=""/>
+        <p:cNvGrpSpPr/>
+        <p:nvPr/>
+      </p:nvGrpSpPr>
+      <p:grpSpPr>
+        <a:xfrm>
+          <a:off x="0" y="0"/>
+          <a:ext cx="0" cy="0"/>
+          <a:chOff x="0" y="0"/>
+          <a:chExt cx="0" cy="0"/>
+        </a:xfrm>
+      </p:grpSpPr>
+      <p:sp>
+        <p:nvSpPr>
+          <p:cNvPr id="2" name="Title 1"/>
+          <p:cNvSpPr>
+            <a:spLocks noGrp="1"/>
+          </p:cNvSpPr>
+          <p:nvPr>
+            <p:ph type="title"/>
+          </p:nvPr>
+        </p:nvSpPr>
+        <p:spPr/>
+        <p:txBody>
+          <a:bodyPr/>
+          <a:lstStyle/>
+          <a:p>
+            <a:r>
+              <a:rPr lang="en-US" dirty="0" smtClean="0"/>
+              <a:t>References</a:t>
+            </a:r>
+            <a:endParaRPr lang="en-US" dirty="0"/>
+          </a:p>
+        </p:txBody>
+      </p:sp>
+      <p:sp>
+        <p:nvSpPr>
+          <p:cNvPr id="3" name="Content Placeholder 2"/>
+          <p:cNvSpPr>
+            <a:spLocks noGrp="1"/>
+          </p:cNvSpPr>
+          <p:nvPr>
+            <p:ph sz="quarter" idx="1"/>
+          </p:nvPr>
+        </p:nvSpPr>
+        <p:spPr/>
+        <p:txBody>
+          <a:bodyPr/>
+          <a:lstStyle/>
+          <a:p>
+            <a:r>
+              <a:rPr lang="en-US" dirty="0" smtClean="0"/>
+              <a:t>http://git-</a:t>
+            </a:r>
+            <a:r>
+              <a:rPr lang="en-US" dirty="0" err="1" smtClean="0"/>
+              <a:t>scm.com</a:t>
+            </a:r>
+            <a:r>
+              <a:rPr lang="en-US" dirty="0" smtClean="0"/>
+              <a:t>/</a:t>
             </a:r>
             <a:endParaRPr lang="en-US" dirty="0"/>
           </a:p>
@@ -5082,11 +7400,7 @@
             </a:pPr>
             <a:r>
               <a:rPr lang="en-US" dirty="0" smtClean="0"/>
-              <a:t>Modify</a:t>
-            </a:r>
-            <a:r>
-              <a:rPr lang="en-US" dirty="0" smtClean="0"/>
-              <a:t>/create files in your working directory</a:t>
+              <a:t>Modify/create files in your working directory</a:t>
             </a:r>
           </a:p>
           <a:p>
@@ -5214,11 +7528,7 @@
           <a:p>
             <a:r>
               <a:rPr lang="en-US" dirty="0" smtClean="0"/>
-              <a:t>Clone an existing </a:t>
-            </a:r>
-            <a:r>
-              <a:rPr lang="en-US" dirty="0" smtClean="0"/>
-              <a:t>repository. </a:t>
+              <a:t>Clone an existing repository. </a:t>
             </a:r>
             <a:endParaRPr lang="en-US" dirty="0"/>
           </a:p>
@@ -5232,15 +7542,7 @@
             </a:r>
             <a:r>
               <a:rPr lang="en-US" dirty="0" smtClean="0"/>
-              <a:t>   </a:t>
-            </a:r>
-            <a:r>
-              <a:rPr lang="en-US" dirty="0" smtClean="0"/>
-              <a:t>$ </a:t>
-            </a:r>
-            <a:r>
-              <a:rPr lang="en-US" dirty="0" smtClean="0"/>
-              <a:t>git clone &lt;</a:t>
+              <a:t>   $ git clone &lt;</a:t>
             </a:r>
             <a:r>
               <a:rPr lang="en-US" dirty="0" err="1" smtClean="0"/>
@@ -5269,15 +7571,7 @@
           <a:p>
             <a:r>
               <a:rPr lang="en-US" dirty="0" smtClean="0"/>
-              <a:t>Check the </a:t>
-            </a:r>
-            <a:r>
-              <a:rPr lang="en-US" dirty="0" smtClean="0"/>
-              <a:t>state </a:t>
-            </a:r>
-            <a:r>
-              <a:rPr lang="en-US" dirty="0" smtClean="0"/>
-              <a:t>of your files( staged/unstaged/untracked )</a:t>
+              <a:t>Check the state of your files( staged/unstaged/untracked )</a:t>
             </a:r>
           </a:p>
           <a:p>
@@ -5461,7 +7755,6 @@
               <a:rPr lang="en-US" dirty="0" smtClean="0"/>
               <a:t> add –A </a:t>
             </a:r>
-            <a:endParaRPr lang="en-US" dirty="0" smtClean="0"/>
           </a:p>
           <a:p>
             <a:pPr>
@@ -5618,7 +7911,6 @@
               <a:rPr lang="en-US" dirty="0" smtClean="0"/>
               <a:t>	$ git commit </a:t>
             </a:r>
-            <a:endParaRPr lang="en-US" dirty="0" smtClean="0"/>
           </a:p>
           <a:p>
             <a:pPr>
@@ -5683,11 +7975,7 @@
           <a:p>
             <a:r>
               <a:rPr lang="en-US" dirty="0" smtClean="0"/>
-              <a:t>Removing </a:t>
-            </a:r>
-            <a:r>
-              <a:rPr lang="en-US" dirty="0" smtClean="0"/>
-              <a:t>a file from git </a:t>
+              <a:t>Removing a file from git </a:t>
             </a:r>
           </a:p>
           <a:p>
@@ -5708,11 +7996,7 @@
           <a:p>
             <a:r>
               <a:rPr lang="en-US" dirty="0" smtClean="0"/>
-              <a:t>Renaming/moving a </a:t>
-            </a:r>
-            <a:r>
-              <a:rPr lang="en-US" dirty="0" smtClean="0"/>
-              <a:t>file</a:t>
+              <a:t>Renaming/moving a file</a:t>
             </a:r>
           </a:p>
           <a:p>
@@ -5725,11 +8009,7 @@
             </a:r>
             <a:r>
               <a:rPr lang="en-US" dirty="0" smtClean="0"/>
-              <a:t>$ </a:t>
-            </a:r>
-            <a:r>
-              <a:rPr lang="en-US" dirty="0" smtClean="0"/>
-              <a:t>git mv file_from file_to</a:t>
+              <a:t>$ git mv file_from file_to</a:t>
             </a:r>
           </a:p>
           <a:p>
